--- a/TP N°3-PPT.pptx
+++ b/TP N°3-PPT.pptx
@@ -225,7 +225,7 @@
           <a:effectLst/>
           <a:extLst>
             <a:ext uri="{91240B29-F687-4f45-9708-019B960494DF}">
-              <a14:hiddenLine xmlns="" xmlns:a14="http://schemas.microsoft.com/office/drawing/2010/main" w="9525">
+              <a14:hiddenLine xmlns:a14="http://schemas.microsoft.com/office/drawing/2010/main" xmlns="" w="9525">
                 <a:solidFill>
                   <a:srgbClr val="000000"/>
                 </a:solidFill>
@@ -418,7 +418,7 @@
             <a:fld id="{08B9EBBA-996F-894A-B54A-D6246ED52CEA}" type="datetimeFigureOut">
               <a:rPr lang="en-US" dirty="0"/>
               <a:pPr/>
-              <a:t>01-Nov-19</a:t>
+              <a:t>07-Nov-19</a:t>
             </a:fld>
             <a:endParaRPr lang="en-US" dirty="0"/>
           </a:p>
@@ -733,7 +733,7 @@
             <a:fld id="{18C79C5D-2A6F-F04D-97DA-BEF2467B64E4}" type="datetimeFigureOut">
               <a:rPr lang="en-US" dirty="0"/>
               <a:pPr/>
-              <a:t>01-Nov-19</a:t>
+              <a:t>07-Nov-19</a:t>
             </a:fld>
             <a:endParaRPr lang="en-US" dirty="0"/>
           </a:p>
@@ -1218,7 +1218,7 @@
             <a:fld id="{8DFA1846-DA80-1C48-A609-854EA85C59AD}" type="datetimeFigureOut">
               <a:rPr lang="en-US" dirty="0"/>
               <a:pPr/>
-              <a:t>01-Nov-19</a:t>
+              <a:t>07-Nov-19</a:t>
             </a:fld>
             <a:endParaRPr lang="en-US" dirty="0"/>
           </a:p>
@@ -1584,7 +1584,7 @@
             <a:fld id="{FBF54567-0DE4-3F47-BF90-CB84690072F9}" type="datetimeFigureOut">
               <a:rPr lang="en-US" dirty="0"/>
               <a:pPr/>
-              <a:t>01-Nov-19</a:t>
+              <a:t>07-Nov-19</a:t>
             </a:fld>
             <a:endParaRPr lang="en-US" dirty="0"/>
           </a:p>
@@ -1735,7 +1735,7 @@
           <a:ln/>
           <a:extLst>
             <a:ext uri="{91240B29-F687-4f45-9708-019B960494DF}">
-              <a14:hiddenLine xmlns="" xmlns:a14="http://schemas.microsoft.com/office/drawing/2010/main" w="9525">
+              <a14:hiddenLine xmlns:a14="http://schemas.microsoft.com/office/drawing/2010/main" xmlns="" w="9525">
                 <a:solidFill>
                   <a:srgbClr val="000000"/>
                 </a:solidFill>
@@ -1854,7 +1854,7 @@
             <a:fld id="{C6C52C72-DE31-F449-A4ED-4C594FD91407}" type="datetimeFigureOut">
               <a:rPr lang="en-US" dirty="0"/>
               <a:pPr/>
-              <a:t>01-Nov-19</a:t>
+              <a:t>07-Nov-19</a:t>
             </a:fld>
             <a:endParaRPr lang="en-US" dirty="0"/>
           </a:p>
@@ -2007,7 +2007,7 @@
           <a:ln/>
           <a:extLst>
             <a:ext uri="{91240B29-F687-4f45-9708-019B960494DF}">
-              <a14:hiddenLine xmlns="" xmlns:a14="http://schemas.microsoft.com/office/drawing/2010/main" w="9525">
+              <a14:hiddenLine xmlns:a14="http://schemas.microsoft.com/office/drawing/2010/main" xmlns="" w="9525">
                 <a:solidFill>
                   <a:srgbClr val="000000"/>
                 </a:solidFill>
@@ -2136,7 +2136,7 @@
             <a:fld id="{ED62726E-379B-B349-9EED-81ED093FA806}" type="datetimeFigureOut">
               <a:rPr lang="en-US" dirty="0"/>
               <a:pPr/>
-              <a:t>01-Nov-19</a:t>
+              <a:t>07-Nov-19</a:t>
             </a:fld>
             <a:endParaRPr lang="en-US" dirty="0"/>
           </a:p>
@@ -2287,7 +2287,7 @@
           <a:ln/>
           <a:extLst>
             <a:ext uri="{91240B29-F687-4f45-9708-019B960494DF}">
-              <a14:hiddenLine xmlns="" xmlns:a14="http://schemas.microsoft.com/office/drawing/2010/main" w="9525">
+              <a14:hiddenLine xmlns:a14="http://schemas.microsoft.com/office/drawing/2010/main" xmlns="" w="9525">
                 <a:solidFill>
                   <a:srgbClr val="000000"/>
                 </a:solidFill>
@@ -2416,7 +2416,7 @@
             <a:fld id="{9B3A1323-8D79-1946-B0D7-40001CF92E9D}" type="datetimeFigureOut">
               <a:rPr lang="en-US" dirty="0"/>
               <a:pPr/>
-              <a:t>01-Nov-19</a:t>
+              <a:t>07-Nov-19</a:t>
             </a:fld>
             <a:endParaRPr lang="en-US" dirty="0"/>
           </a:p>
@@ -2756,7 +2756,7 @@
             <a:fld id="{8DFA1846-DA80-1C48-A609-854EA85C59AD}" type="datetimeFigureOut">
               <a:rPr lang="en-US" dirty="0"/>
               <a:pPr/>
-              <a:t>01-Nov-19</a:t>
+              <a:t>07-Nov-19</a:t>
             </a:fld>
             <a:endParaRPr lang="en-US" dirty="0"/>
           </a:p>
@@ -2907,7 +2907,7 @@
           <a:ln/>
           <a:extLst>
             <a:ext uri="{91240B29-F687-4f45-9708-019B960494DF}">
-              <a14:hiddenLine xmlns="" xmlns:a14="http://schemas.microsoft.com/office/drawing/2010/main" w="9525">
+              <a14:hiddenLine xmlns:a14="http://schemas.microsoft.com/office/drawing/2010/main" xmlns="" w="9525">
                 <a:solidFill>
                   <a:srgbClr val="000000"/>
                 </a:solidFill>
@@ -3092,7 +3092,7 @@
             <a:fld id="{57302355-E14B-8545-A8F8-0FE83CC9D524}" type="datetimeFigureOut">
               <a:rPr lang="en-US" dirty="0"/>
               <a:pPr/>
-              <a:t>01-Nov-19</a:t>
+              <a:t>07-Nov-19</a:t>
             </a:fld>
             <a:endParaRPr lang="en-US" dirty="0"/>
           </a:p>
@@ -3243,7 +3243,7 @@
           <a:ln/>
           <a:extLst>
             <a:ext uri="{91240B29-F687-4f45-9708-019B960494DF}">
-              <a14:hiddenLine xmlns="" xmlns:a14="http://schemas.microsoft.com/office/drawing/2010/main" w="9525">
+              <a14:hiddenLine xmlns:a14="http://schemas.microsoft.com/office/drawing/2010/main" xmlns="" w="9525">
                 <a:solidFill>
                   <a:srgbClr val="000000"/>
                 </a:solidFill>
@@ -3566,7 +3566,7 @@
             <a:fld id="{02640F58-564D-2B4F-AE67-E407BA4FCF45}" type="datetimeFigureOut">
               <a:rPr lang="en-US" dirty="0"/>
               <a:pPr/>
-              <a:t>01-Nov-19</a:t>
+              <a:t>07-Nov-19</a:t>
             </a:fld>
             <a:endParaRPr lang="en-US" dirty="0"/>
           </a:p>
@@ -3717,7 +3717,7 @@
           <a:ln/>
           <a:extLst>
             <a:ext uri="{91240B29-F687-4f45-9708-019B960494DF}">
-              <a14:hiddenLine xmlns="" xmlns:a14="http://schemas.microsoft.com/office/drawing/2010/main" w="9525">
+              <a14:hiddenLine xmlns:a14="http://schemas.microsoft.com/office/drawing/2010/main" xmlns="" w="9525">
                 <a:solidFill>
                   <a:srgbClr val="000000"/>
                 </a:solidFill>
@@ -3784,7 +3784,7 @@
             <a:fld id="{F13A34C8-038E-2045-AF43-DF7DBB8E0E9E}" type="datetimeFigureOut">
               <a:rPr lang="en-US" dirty="0"/>
               <a:pPr/>
-              <a:t>01-Nov-19</a:t>
+              <a:t>07-Nov-19</a:t>
             </a:fld>
             <a:endParaRPr lang="en-US" dirty="0"/>
           </a:p>
@@ -3876,7 +3876,7 @@
             <a:fld id="{8818C68F-D26B-8F47-958C-23B49CF8A634}" type="datetimeFigureOut">
               <a:rPr lang="en-US" dirty="0"/>
               <a:pPr/>
-              <a:t>01-Nov-19</a:t>
+              <a:t>07-Nov-19</a:t>
             </a:fld>
             <a:endParaRPr lang="en-US" dirty="0"/>
           </a:p>
@@ -4140,7 +4140,7 @@
           <a:ln/>
           <a:extLst>
             <a:ext uri="{91240B29-F687-4f45-9708-019B960494DF}">
-              <a14:hiddenLine xmlns="" xmlns:a14="http://schemas.microsoft.com/office/drawing/2010/main" w="9525">
+              <a14:hiddenLine xmlns:a14="http://schemas.microsoft.com/office/drawing/2010/main" xmlns="" w="9525">
                 <a:solidFill>
                   <a:srgbClr val="000000"/>
                 </a:solidFill>
@@ -4340,7 +4340,7 @@
             <a:fld id="{D0DF5E60-9974-AC48-9591-99C2BB44B7CF}" type="datetimeFigureOut">
               <a:rPr lang="en-US" dirty="0"/>
               <a:pPr/>
-              <a:t>01-Nov-19</a:t>
+              <a:t>07-Nov-19</a:t>
             </a:fld>
             <a:endParaRPr lang="en-US" dirty="0"/>
           </a:p>
@@ -4650,7 +4650,7 @@
             <a:fld id="{18C79C5D-2A6F-F04D-97DA-BEF2467B64E4}" type="datetimeFigureOut">
               <a:rPr lang="en-US" dirty="0"/>
               <a:pPr/>
-              <a:t>01-Nov-19</a:t>
+              <a:t>07-Nov-19</a:t>
             </a:fld>
             <a:endParaRPr lang="en-US" dirty="0"/>
           </a:p>
@@ -4917,7 +4917,7 @@
             <a:fld id="{09B482E8-6E0E-1B4F-B1FD-C69DB9E858D9}" type="datetimeFigureOut">
               <a:rPr lang="en-US" dirty="0"/>
               <a:pPr/>
-              <a:t>01-Nov-19</a:t>
+              <a:t>07-Nov-19</a:t>
             </a:fld>
             <a:endParaRPr lang="en-US" dirty="0"/>
           </a:p>
@@ -7161,7 +7161,7 @@
         <p:spPr/>
         <p:txBody>
           <a:bodyPr anchor="t">
-            <a:normAutofit fontScale="92500" lnSpcReduction="20000"/>
+            <a:normAutofit fontScale="92500" lnSpcReduction="10000"/>
           </a:bodyPr>
           <a:lstStyle/>
           <a:p>
@@ -7491,55 +7491,6 @@
               <a:t>//enable periodic trigger</a:t>
             </a:r>
             <a:endParaRPr lang="en-US" dirty="0"/>
-          </a:p>
-          <a:p>
-            <a:pPr marL="400050" lvl="1" indent="0">
-              <a:buNone/>
-            </a:pPr>
-            <a:r>
-              <a:rPr lang="en-US" dirty="0"/>
-              <a:t>    </a:t>
-            </a:r>
-            <a:r>
-              <a:rPr lang="en-US" i="1" dirty="0" err="1"/>
-              <a:t>dmaFun_t</a:t>
-            </a:r>
-            <a:r>
-              <a:rPr lang="en-US" i="1" dirty="0"/>
-              <a:t> </a:t>
-            </a:r>
-            <a:r>
-              <a:rPr lang="en-US" b="1" i="1" dirty="0" err="1"/>
-              <a:t>dma_callback</a:t>
-            </a:r>
-            <a:r>
-              <a:rPr lang="en-US" b="1" i="1" dirty="0"/>
-              <a:t>;		</a:t>
-            </a:r>
-            <a:r>
-              <a:rPr lang="en-US" sz="1200" i="1" dirty="0"/>
-              <a:t>//callback para </a:t>
-            </a:r>
-            <a:r>
-              <a:rPr lang="en-US" sz="1200" i="1" dirty="0" err="1"/>
-              <a:t>cuando</a:t>
-            </a:r>
-            <a:r>
-              <a:rPr lang="en-US" sz="1200" i="1" dirty="0"/>
-              <a:t> 										</a:t>
-            </a:r>
-            <a:r>
-              <a:rPr lang="en-US" sz="1200" i="1" dirty="0" err="1"/>
-              <a:t>termina</a:t>
-            </a:r>
-            <a:r>
-              <a:rPr lang="en-US" sz="1200" i="1" dirty="0"/>
-              <a:t> major loo</a:t>
-            </a:r>
-            <a:r>
-              <a:rPr lang="en-US" i="1" dirty="0"/>
-              <a:t>p</a:t>
-            </a:r>
           </a:p>
           <a:p>
             <a:pPr marL="0" indent="0">
@@ -7781,77 +7732,11 @@
             </a:r>
             <a:r>
               <a:rPr lang="en-US" b="1" dirty="0" err="1"/>
-              <a:t>DMAPrepareTransferELINKNO</a:t>
-            </a:r>
-            <a:r>
-              <a:rPr lang="en-US" dirty="0"/>
-              <a:t>(</a:t>
-            </a:r>
-            <a:r>
-              <a:rPr lang="en-US" dirty="0" err="1"/>
-              <a:t>dma_transfer_conf_t</a:t>
-            </a:r>
-            <a:r>
-              <a:rPr lang="en-US" dirty="0"/>
-              <a:t>* </a:t>
-            </a:r>
-            <a:r>
-              <a:rPr lang="en-US" i="1" dirty="0"/>
-              <a:t>config</a:t>
-            </a:r>
-            <a:r>
-              <a:rPr lang="en-US" dirty="0"/>
-              <a:t>);</a:t>
-            </a:r>
-          </a:p>
-          <a:p>
-            <a:pPr marL="0" indent="0">
-              <a:buNone/>
-            </a:pPr>
-            <a:br>
-              <a:rPr lang="en-US" dirty="0"/>
-            </a:br>
-            <a:r>
-              <a:rPr lang="en-US" sz="1600" i="1" dirty="0"/>
-              <a:t>//</a:t>
-            </a:r>
-            <a:r>
-              <a:rPr lang="en-US" sz="1600" i="1" dirty="0" err="1"/>
-              <a:t>carga</a:t>
-            </a:r>
-            <a:r>
-              <a:rPr lang="en-US" sz="1600" i="1" dirty="0"/>
-              <a:t> los </a:t>
-            </a:r>
-            <a:r>
-              <a:rPr lang="en-US" sz="1600" i="1" dirty="0" err="1"/>
-              <a:t>registros</a:t>
-            </a:r>
-            <a:r>
-              <a:rPr lang="en-US" sz="1600" i="1" dirty="0"/>
-              <a:t> para una </a:t>
-            </a:r>
-            <a:r>
-              <a:rPr lang="en-US" sz="1600" i="1" dirty="0" err="1"/>
-              <a:t>transferencia</a:t>
-            </a:r>
-            <a:r>
-              <a:rPr lang="en-US" sz="1600" i="1" dirty="0"/>
-              <a:t> con channel linking</a:t>
-            </a:r>
-            <a:endParaRPr lang="en-US" dirty="0"/>
-          </a:p>
-          <a:p>
-            <a:pPr marL="0" indent="0">
-              <a:buNone/>
-            </a:pPr>
-            <a:r>
-              <a:rPr lang="en-US" dirty="0"/>
-              <a:t>void </a:t>
-            </a:r>
-            <a:r>
-              <a:rPr lang="en-US" b="1" dirty="0" err="1"/>
-              <a:t>DMAPrepareTransferELINKYES</a:t>
+              <a:t>DMAPrepareTransfer</a:t>
+            </a:r>
+            <a:r>
+              <a:rPr lang="en-US" b="1" dirty="0"/>
+              <a:t> </a:t>
             </a:r>
             <a:r>
               <a:rPr lang="en-US" dirty="0"/>

--- a/TP N°3-PPT.pptx
+++ b/TP N°3-PPT.pptx
@@ -7,12 +7,14 @@
   <p:sldIdLst>
     <p:sldId id="256" r:id="rId2"/>
     <p:sldId id="257" r:id="rId3"/>
-    <p:sldId id="258" r:id="rId4"/>
-    <p:sldId id="259" r:id="rId5"/>
-    <p:sldId id="260" r:id="rId6"/>
-    <p:sldId id="261" r:id="rId7"/>
-    <p:sldId id="262" r:id="rId8"/>
-    <p:sldId id="264" r:id="rId9"/>
+    <p:sldId id="267" r:id="rId4"/>
+    <p:sldId id="258" r:id="rId5"/>
+    <p:sldId id="259" r:id="rId6"/>
+    <p:sldId id="268" r:id="rId7"/>
+    <p:sldId id="261" r:id="rId8"/>
+    <p:sldId id="262" r:id="rId9"/>
+    <p:sldId id="264" r:id="rId10"/>
+    <p:sldId id="269" r:id="rId11"/>
   </p:sldIdLst>
   <p:sldSz cx="12192000" cy="6858000"/>
   <p:notesSz cx="6858000" cy="9144000"/>
@@ -225,7 +227,7 @@
           <a:effectLst/>
           <a:extLst>
             <a:ext uri="{91240B29-F687-4f45-9708-019B960494DF}">
-              <a14:hiddenLine xmlns:a14="http://schemas.microsoft.com/office/drawing/2010/main" xmlns="" w="9525">
+              <a14:hiddenLine xmlns="" xmlns:a14="http://schemas.microsoft.com/office/drawing/2010/main" w="9525">
                 <a:solidFill>
                   <a:srgbClr val="000000"/>
                 </a:solidFill>
@@ -418,7 +420,7 @@
             <a:fld id="{08B9EBBA-996F-894A-B54A-D6246ED52CEA}" type="datetimeFigureOut">
               <a:rPr lang="en-US" dirty="0"/>
               <a:pPr/>
-              <a:t>07-Nov-19</a:t>
+              <a:t>11/7/2019</a:t>
             </a:fld>
             <a:endParaRPr lang="en-US" dirty="0"/>
           </a:p>
@@ -461,7 +463,7 @@
             <a:fld id="{D57F1E4F-1CFF-5643-939E-217C01CDF565}" type="slidenum">
               <a:rPr lang="en-US" dirty="0"/>
               <a:pPr/>
-              <a:t>‹#›</a:t>
+              <a:t>‹Nº›</a:t>
             </a:fld>
             <a:endParaRPr lang="en-US" dirty="0"/>
           </a:p>
@@ -733,7 +735,7 @@
             <a:fld id="{18C79C5D-2A6F-F04D-97DA-BEF2467B64E4}" type="datetimeFigureOut">
               <a:rPr lang="en-US" dirty="0"/>
               <a:pPr/>
-              <a:t>07-Nov-19</a:t>
+              <a:t>11/7/2019</a:t>
             </a:fld>
             <a:endParaRPr lang="en-US" dirty="0"/>
           </a:p>
@@ -776,7 +778,7 @@
             <a:fld id="{D57F1E4F-1CFF-5643-939E-217C01CDF565}" type="slidenum">
               <a:rPr lang="en-US" dirty="0"/>
               <a:pPr/>
-              <a:t>‹#›</a:t>
+              <a:t>‹Nº›</a:t>
             </a:fld>
             <a:endParaRPr lang="en-US" dirty="0"/>
           </a:p>
@@ -1218,7 +1220,7 @@
             <a:fld id="{8DFA1846-DA80-1C48-A609-854EA85C59AD}" type="datetimeFigureOut">
               <a:rPr lang="en-US" dirty="0"/>
               <a:pPr/>
-              <a:t>07-Nov-19</a:t>
+              <a:t>11/7/2019</a:t>
             </a:fld>
             <a:endParaRPr lang="en-US" dirty="0"/>
           </a:p>
@@ -1261,7 +1263,7 @@
             <a:fld id="{D57F1E4F-1CFF-5643-939E-217C01CDF565}" type="slidenum">
               <a:rPr lang="en-US" dirty="0"/>
               <a:pPr/>
-              <a:t>‹#›</a:t>
+              <a:t>‹Nº›</a:t>
             </a:fld>
             <a:endParaRPr lang="en-US" dirty="0"/>
           </a:p>
@@ -1584,7 +1586,7 @@
             <a:fld id="{FBF54567-0DE4-3F47-BF90-CB84690072F9}" type="datetimeFigureOut">
               <a:rPr lang="en-US" dirty="0"/>
               <a:pPr/>
-              <a:t>07-Nov-19</a:t>
+              <a:t>11/7/2019</a:t>
             </a:fld>
             <a:endParaRPr lang="en-US" dirty="0"/>
           </a:p>
@@ -1627,7 +1629,7 @@
             <a:fld id="{D57F1E4F-1CFF-5643-939E-217C01CDF565}" type="slidenum">
               <a:rPr lang="en-US" dirty="0"/>
               <a:pPr/>
-              <a:t>‹#›</a:t>
+              <a:t>‹Nº›</a:t>
             </a:fld>
             <a:endParaRPr lang="en-US" dirty="0"/>
           </a:p>
@@ -1735,7 +1737,7 @@
           <a:ln/>
           <a:extLst>
             <a:ext uri="{91240B29-F687-4f45-9708-019B960494DF}">
-              <a14:hiddenLine xmlns:a14="http://schemas.microsoft.com/office/drawing/2010/main" xmlns="" w="9525">
+              <a14:hiddenLine xmlns="" xmlns:a14="http://schemas.microsoft.com/office/drawing/2010/main" w="9525">
                 <a:solidFill>
                   <a:srgbClr val="000000"/>
                 </a:solidFill>
@@ -1854,7 +1856,7 @@
             <a:fld id="{C6C52C72-DE31-F449-A4ED-4C594FD91407}" type="datetimeFigureOut">
               <a:rPr lang="en-US" dirty="0"/>
               <a:pPr/>
-              <a:t>07-Nov-19</a:t>
+              <a:t>11/7/2019</a:t>
             </a:fld>
             <a:endParaRPr lang="en-US" dirty="0"/>
           </a:p>
@@ -1897,7 +1899,7 @@
             <a:fld id="{D57F1E4F-1CFF-5643-939E-217C01CDF565}" type="slidenum">
               <a:rPr lang="en-US" dirty="0"/>
               <a:pPr/>
-              <a:t>‹#›</a:t>
+              <a:t>‹Nº›</a:t>
             </a:fld>
             <a:endParaRPr lang="en-US" dirty="0"/>
           </a:p>
@@ -2007,7 +2009,7 @@
           <a:ln/>
           <a:extLst>
             <a:ext uri="{91240B29-F687-4f45-9708-019B960494DF}">
-              <a14:hiddenLine xmlns:a14="http://schemas.microsoft.com/office/drawing/2010/main" xmlns="" w="9525">
+              <a14:hiddenLine xmlns="" xmlns:a14="http://schemas.microsoft.com/office/drawing/2010/main" w="9525">
                 <a:solidFill>
                   <a:srgbClr val="000000"/>
                 </a:solidFill>
@@ -2136,7 +2138,7 @@
             <a:fld id="{ED62726E-379B-B349-9EED-81ED093FA806}" type="datetimeFigureOut">
               <a:rPr lang="en-US" dirty="0"/>
               <a:pPr/>
-              <a:t>07-Nov-19</a:t>
+              <a:t>11/7/2019</a:t>
             </a:fld>
             <a:endParaRPr lang="en-US" dirty="0"/>
           </a:p>
@@ -2179,7 +2181,7 @@
             <a:fld id="{D57F1E4F-1CFF-5643-939E-217C01CDF565}" type="slidenum">
               <a:rPr lang="en-US" dirty="0"/>
               <a:pPr/>
-              <a:t>‹#›</a:t>
+              <a:t>‹Nº›</a:t>
             </a:fld>
             <a:endParaRPr lang="en-US" dirty="0"/>
           </a:p>
@@ -2287,7 +2289,7 @@
           <a:ln/>
           <a:extLst>
             <a:ext uri="{91240B29-F687-4f45-9708-019B960494DF}">
-              <a14:hiddenLine xmlns:a14="http://schemas.microsoft.com/office/drawing/2010/main" xmlns="" w="9525">
+              <a14:hiddenLine xmlns="" xmlns:a14="http://schemas.microsoft.com/office/drawing/2010/main" w="9525">
                 <a:solidFill>
                   <a:srgbClr val="000000"/>
                 </a:solidFill>
@@ -2416,7 +2418,7 @@
             <a:fld id="{9B3A1323-8D79-1946-B0D7-40001CF92E9D}" type="datetimeFigureOut">
               <a:rPr lang="en-US" dirty="0"/>
               <a:pPr/>
-              <a:t>07-Nov-19</a:t>
+              <a:t>11/7/2019</a:t>
             </a:fld>
             <a:endParaRPr lang="en-US" dirty="0"/>
           </a:p>
@@ -2459,7 +2461,7 @@
             <a:fld id="{D57F1E4F-1CFF-5643-939E-217C01CDF565}" type="slidenum">
               <a:rPr lang="en-US" dirty="0"/>
               <a:pPr/>
-              <a:t>‹#›</a:t>
+              <a:t>‹Nº›</a:t>
             </a:fld>
             <a:endParaRPr lang="en-US" dirty="0"/>
           </a:p>
@@ -2756,7 +2758,7 @@
             <a:fld id="{8DFA1846-DA80-1C48-A609-854EA85C59AD}" type="datetimeFigureOut">
               <a:rPr lang="en-US" dirty="0"/>
               <a:pPr/>
-              <a:t>07-Nov-19</a:t>
+              <a:t>11/7/2019</a:t>
             </a:fld>
             <a:endParaRPr lang="en-US" dirty="0"/>
           </a:p>
@@ -2799,7 +2801,7 @@
             <a:fld id="{D57F1E4F-1CFF-5643-939E-217C01CDF565}" type="slidenum">
               <a:rPr lang="en-US" dirty="0"/>
               <a:pPr/>
-              <a:t>‹#›</a:t>
+              <a:t>‹Nº›</a:t>
             </a:fld>
             <a:endParaRPr lang="en-US" dirty="0"/>
           </a:p>
@@ -2907,7 +2909,7 @@
           <a:ln/>
           <a:extLst>
             <a:ext uri="{91240B29-F687-4f45-9708-019B960494DF}">
-              <a14:hiddenLine xmlns:a14="http://schemas.microsoft.com/office/drawing/2010/main" xmlns="" w="9525">
+              <a14:hiddenLine xmlns="" xmlns:a14="http://schemas.microsoft.com/office/drawing/2010/main" w="9525">
                 <a:solidFill>
                   <a:srgbClr val="000000"/>
                 </a:solidFill>
@@ -3092,7 +3094,7 @@
             <a:fld id="{57302355-E14B-8545-A8F8-0FE83CC9D524}" type="datetimeFigureOut">
               <a:rPr lang="en-US" dirty="0"/>
               <a:pPr/>
-              <a:t>07-Nov-19</a:t>
+              <a:t>11/7/2019</a:t>
             </a:fld>
             <a:endParaRPr lang="en-US" dirty="0"/>
           </a:p>
@@ -3135,7 +3137,7 @@
             <a:fld id="{D57F1E4F-1CFF-5643-939E-217C01CDF565}" type="slidenum">
               <a:rPr lang="en-US" dirty="0"/>
               <a:pPr/>
-              <a:t>‹#›</a:t>
+              <a:t>‹Nº›</a:t>
             </a:fld>
             <a:endParaRPr lang="en-US" dirty="0"/>
           </a:p>
@@ -3243,7 +3245,7 @@
           <a:ln/>
           <a:extLst>
             <a:ext uri="{91240B29-F687-4f45-9708-019B960494DF}">
-              <a14:hiddenLine xmlns:a14="http://schemas.microsoft.com/office/drawing/2010/main" xmlns="" w="9525">
+              <a14:hiddenLine xmlns="" xmlns:a14="http://schemas.microsoft.com/office/drawing/2010/main" w="9525">
                 <a:solidFill>
                   <a:srgbClr val="000000"/>
                 </a:solidFill>
@@ -3566,7 +3568,7 @@
             <a:fld id="{02640F58-564D-2B4F-AE67-E407BA4FCF45}" type="datetimeFigureOut">
               <a:rPr lang="en-US" dirty="0"/>
               <a:pPr/>
-              <a:t>07-Nov-19</a:t>
+              <a:t>11/7/2019</a:t>
             </a:fld>
             <a:endParaRPr lang="en-US" dirty="0"/>
           </a:p>
@@ -3609,7 +3611,7 @@
             <a:fld id="{D57F1E4F-1CFF-5643-939E-217C01CDF565}" type="slidenum">
               <a:rPr lang="en-US" dirty="0"/>
               <a:pPr/>
-              <a:t>‹#›</a:t>
+              <a:t>‹Nº›</a:t>
             </a:fld>
             <a:endParaRPr lang="en-US" dirty="0"/>
           </a:p>
@@ -3717,7 +3719,7 @@
           <a:ln/>
           <a:extLst>
             <a:ext uri="{91240B29-F687-4f45-9708-019B960494DF}">
-              <a14:hiddenLine xmlns:a14="http://schemas.microsoft.com/office/drawing/2010/main" xmlns="" w="9525">
+              <a14:hiddenLine xmlns="" xmlns:a14="http://schemas.microsoft.com/office/drawing/2010/main" w="9525">
                 <a:solidFill>
                   <a:srgbClr val="000000"/>
                 </a:solidFill>
@@ -3784,7 +3786,7 @@
             <a:fld id="{F13A34C8-038E-2045-AF43-DF7DBB8E0E9E}" type="datetimeFigureOut">
               <a:rPr lang="en-US" dirty="0"/>
               <a:pPr/>
-              <a:t>07-Nov-19</a:t>
+              <a:t>11/7/2019</a:t>
             </a:fld>
             <a:endParaRPr lang="en-US" dirty="0"/>
           </a:p>
@@ -3827,7 +3829,7 @@
             <a:fld id="{D57F1E4F-1CFF-5643-939E-217C01CDF565}" type="slidenum">
               <a:rPr lang="en-US" dirty="0"/>
               <a:pPr/>
-              <a:t>‹#›</a:t>
+              <a:t>‹Nº›</a:t>
             </a:fld>
             <a:endParaRPr lang="en-US" dirty="0"/>
           </a:p>
@@ -3876,7 +3878,7 @@
             <a:fld id="{8818C68F-D26B-8F47-958C-23B49CF8A634}" type="datetimeFigureOut">
               <a:rPr lang="en-US" dirty="0"/>
               <a:pPr/>
-              <a:t>07-Nov-19</a:t>
+              <a:t>11/7/2019</a:t>
             </a:fld>
             <a:endParaRPr lang="en-US" dirty="0"/>
           </a:p>
@@ -3919,7 +3921,7 @@
             <a:fld id="{D57F1E4F-1CFF-5643-939E-217C01CDF565}" type="slidenum">
               <a:rPr lang="en-US" dirty="0"/>
               <a:pPr/>
-              <a:t>‹#›</a:t>
+              <a:t>‹Nº›</a:t>
             </a:fld>
             <a:endParaRPr lang="en-US" dirty="0"/>
           </a:p>
@@ -4140,7 +4142,7 @@
           <a:ln/>
           <a:extLst>
             <a:ext uri="{91240B29-F687-4f45-9708-019B960494DF}">
-              <a14:hiddenLine xmlns:a14="http://schemas.microsoft.com/office/drawing/2010/main" xmlns="" w="9525">
+              <a14:hiddenLine xmlns="" xmlns:a14="http://schemas.microsoft.com/office/drawing/2010/main" w="9525">
                 <a:solidFill>
                   <a:srgbClr val="000000"/>
                 </a:solidFill>
@@ -4340,7 +4342,7 @@
             <a:fld id="{D0DF5E60-9974-AC48-9591-99C2BB44B7CF}" type="datetimeFigureOut">
               <a:rPr lang="en-US" dirty="0"/>
               <a:pPr/>
-              <a:t>07-Nov-19</a:t>
+              <a:t>11/7/2019</a:t>
             </a:fld>
             <a:endParaRPr lang="en-US" dirty="0"/>
           </a:p>
@@ -4383,7 +4385,7 @@
             <a:fld id="{D57F1E4F-1CFF-5643-939E-217C01CDF565}" type="slidenum">
               <a:rPr lang="en-US" dirty="0"/>
               <a:pPr/>
-              <a:t>‹#›</a:t>
+              <a:t>‹Nº›</a:t>
             </a:fld>
             <a:endParaRPr lang="en-US" dirty="0"/>
           </a:p>
@@ -4650,7 +4652,7 @@
             <a:fld id="{18C79C5D-2A6F-F04D-97DA-BEF2467B64E4}" type="datetimeFigureOut">
               <a:rPr lang="en-US" dirty="0"/>
               <a:pPr/>
-              <a:t>07-Nov-19</a:t>
+              <a:t>11/7/2019</a:t>
             </a:fld>
             <a:endParaRPr lang="en-US" dirty="0"/>
           </a:p>
@@ -4703,7 +4705,7 @@
             <a:fld id="{D57F1E4F-1CFF-5643-939E-217C01CDF565}" type="slidenum">
               <a:rPr lang="en-US" dirty="0"/>
               <a:pPr/>
-              <a:t>‹#›</a:t>
+              <a:t>‹Nº›</a:t>
             </a:fld>
             <a:endParaRPr lang="en-US" dirty="0"/>
           </a:p>
@@ -4917,7 +4919,7 @@
             <a:fld id="{09B482E8-6E0E-1B4F-B1FD-C69DB9E858D9}" type="datetimeFigureOut">
               <a:rPr lang="en-US" dirty="0"/>
               <a:pPr/>
-              <a:t>07-Nov-19</a:t>
+              <a:t>11/7/2019</a:t>
             </a:fld>
             <a:endParaRPr lang="en-US" dirty="0"/>
           </a:p>
@@ -4957,7 +4959,7 @@
             <a:fld id="{D57F1E4F-1CFF-5643-939E-217C01CDF565}" type="slidenum">
               <a:rPr lang="en-US" dirty="0"/>
               <a:pPr/>
-              <a:t>‹#›</a:t>
+              <a:t>‹Nº›</a:t>
             </a:fld>
             <a:endParaRPr lang="en-US" dirty="0"/>
           </a:p>
@@ -5464,15 +5466,7 @@
             </a:pPr>
             <a:r>
               <a:rPr lang="en-CA" dirty="0"/>
-              <a:t>Manuel </a:t>
-            </a:r>
-            <a:r>
-              <a:rPr lang="en-CA" dirty="0" err="1"/>
-              <a:t>Mollon</a:t>
-            </a:r>
-            <a:r>
-              <a:rPr lang="en-CA" dirty="0"/>
-              <a:t>					</a:t>
+              <a:t>Manuel Mollón					</a:t>
             </a:r>
             <a:r>
               <a:rPr lang="en-CA" dirty="0" err="1"/>
@@ -5516,6 +5510,66 @@
     <p:extLst>
       <p:ext uri="{BB962C8B-B14F-4D97-AF65-F5344CB8AC3E}">
         <p14:creationId xmlns:p14="http://schemas.microsoft.com/office/powerpoint/2010/main" val="465847052"/>
+      </p:ext>
+    </p:extLst>
+  </p:cSld>
+  <p:clrMapOvr>
+    <a:masterClrMapping/>
+  </p:clrMapOvr>
+</p:sld>
+</file>
+
+<file path=ppt/slides/slide10.xml><?xml version="1.0" encoding="utf-8"?>
+<p:sld xmlns:a="http://schemas.openxmlformats.org/drawingml/2006/main" xmlns:r="http://schemas.openxmlformats.org/officeDocument/2006/relationships" xmlns:p="http://schemas.openxmlformats.org/presentationml/2006/main">
+  <p:cSld>
+    <p:spTree>
+      <p:nvGrpSpPr>
+        <p:cNvPr id="1" name=""/>
+        <p:cNvGrpSpPr/>
+        <p:nvPr/>
+      </p:nvGrpSpPr>
+      <p:grpSpPr>
+        <a:xfrm>
+          <a:off x="0" y="0"/>
+          <a:ext cx="0" cy="0"/>
+          <a:chOff x="0" y="0"/>
+          <a:chExt cx="0" cy="0"/>
+        </a:xfrm>
+      </p:grpSpPr>
+      <p:pic>
+        <p:nvPicPr>
+          <p:cNvPr id="6" name="Imagen 5" descr="Imagen que contiene competencia de atletismo, cuarto&#10;&#10;Descripción generada automáticamente">
+            <a:extLst>
+              <a:ext uri="{FF2B5EF4-FFF2-40B4-BE49-F238E27FC236}">
+                <a16:creationId xmlns:a16="http://schemas.microsoft.com/office/drawing/2014/main" id="{20177AB0-9E4A-4EF8-BF2D-12233768B07A}"/>
+              </a:ext>
+            </a:extLst>
+          </p:cNvPr>
+          <p:cNvPicPr>
+            <a:picLocks noChangeAspect="1"/>
+          </p:cNvPicPr>
+          <p:nvPr/>
+        </p:nvPicPr>
+        <p:blipFill>
+          <a:blip r:embed="rId2"/>
+          <a:stretch>
+            <a:fillRect/>
+          </a:stretch>
+        </p:blipFill>
+        <p:spPr>
+          <a:xfrm>
+            <a:off x="2138289" y="506438"/>
+            <a:ext cx="7652825" cy="5697414"/>
+          </a:xfrm>
+          <a:prstGeom prst="rect">
+            <a:avLst/>
+          </a:prstGeom>
+        </p:spPr>
+      </p:pic>
+    </p:spTree>
+    <p:extLst>
+      <p:ext uri="{BB962C8B-B14F-4D97-AF65-F5344CB8AC3E}">
+        <p14:creationId xmlns:p14="http://schemas.microsoft.com/office/powerpoint/2010/main" val="4084418103"/>
       </p:ext>
     </p:extLst>
   </p:cSld>
@@ -6563,27 +6617,44 @@
             <p:ph type="title"/>
           </p:nvPr>
         </p:nvSpPr>
-        <p:spPr>
-          <a:xfrm>
-            <a:off x="1269441" y="346656"/>
-            <a:ext cx="3547533" cy="1618396"/>
-          </a:xfrm>
-        </p:spPr>
+        <p:spPr/>
         <p:txBody>
           <a:bodyPr/>
           <a:lstStyle/>
           <a:p>
             <a:r>
-              <a:rPr lang="en-CA" sz="4000" dirty="0"/>
-              <a:t>Version1-DAC y ADC</a:t>
-            </a:r>
-            <a:endParaRPr lang="en-US" sz="4000" dirty="0"/>
+              <a:rPr lang="en-US" dirty="0" err="1"/>
+              <a:t>waveGen</a:t>
+            </a:r>
+            <a:r>
+              <a:rPr lang="en-US" dirty="0"/>
+              <a:t> – </a:t>
+            </a:r>
+            <a:r>
+              <a:rPr lang="en-US" dirty="0" err="1"/>
+              <a:t>Generador</a:t>
+            </a:r>
+            <a:r>
+              <a:rPr lang="en-US" dirty="0"/>
+              <a:t> de </a:t>
+            </a:r>
+            <a:r>
+              <a:rPr lang="en-US" dirty="0" err="1"/>
+              <a:t>señales</a:t>
+            </a:r>
+            <a:endParaRPr lang="en-US" dirty="0"/>
           </a:p>
         </p:txBody>
       </p:sp>
       <p:pic>
         <p:nvPicPr>
-          <p:cNvPr id="4" name="Marcador de contenido 3"/>
+          <p:cNvPr id="5" name="Marcador de contenido 4" descr="Captura de pantalla de un celular&#10;&#10;Descripción generada automáticamente">
+            <a:extLst>
+              <a:ext uri="{FF2B5EF4-FFF2-40B4-BE49-F238E27FC236}">
+                <a16:creationId xmlns:a16="http://schemas.microsoft.com/office/drawing/2014/main" id="{9024C7E7-F2EF-40F2-855F-D6E2540C15CC}"/>
+              </a:ext>
+            </a:extLst>
+          </p:cNvPr>
           <p:cNvPicPr>
             <a:picLocks noGrp="1" noChangeAspect="1"/>
           </p:cNvPicPr>
@@ -6592,194 +6663,22 @@
           </p:nvPr>
         </p:nvPicPr>
         <p:blipFill>
-          <a:blip r:embed="rId2">
-            <a:extLst>
-              <a:ext uri="{28A0092B-C50C-407E-A947-70E740481C1C}">
-                <a14:useLocalDpi xmlns:a14="http://schemas.microsoft.com/office/drawing/2010/main" val="0"/>
-              </a:ext>
-            </a:extLst>
-          </a:blip>
+          <a:blip r:embed="rId2"/>
           <a:stretch>
             <a:fillRect/>
           </a:stretch>
         </p:blipFill>
         <p:spPr>
           <a:xfrm>
-            <a:off x="4882288" y="1155854"/>
-            <a:ext cx="7040303" cy="5323323"/>
+            <a:off x="1448972" y="2222500"/>
+            <a:ext cx="9003323" cy="4065758"/>
           </a:xfrm>
         </p:spPr>
       </p:pic>
-      <p:sp>
-        <p:nvSpPr>
-          <p:cNvPr id="5" name="Marcador de texto 4"/>
-          <p:cNvSpPr>
-            <a:spLocks noGrp="1"/>
-          </p:cNvSpPr>
-          <p:nvPr>
-            <p:ph type="body" sz="half" idx="2"/>
-          </p:nvPr>
-        </p:nvSpPr>
-        <p:spPr>
-          <a:xfrm>
-            <a:off x="444137" y="2260738"/>
-            <a:ext cx="4176547" cy="4309879"/>
-          </a:xfrm>
-        </p:spPr>
-        <p:txBody>
-          <a:bodyPr/>
-          <a:lstStyle/>
-          <a:p>
-            <a:r>
-              <a:rPr lang="en-CA" sz="1800" dirty="0" err="1"/>
-              <a:t>Medicion</a:t>
-            </a:r>
-            <a:r>
-              <a:rPr lang="en-CA" sz="1800" dirty="0"/>
-              <a:t> del </a:t>
-            </a:r>
-            <a:r>
-              <a:rPr lang="en-CA" sz="1800" dirty="0" err="1"/>
-              <a:t>tiempo</a:t>
-            </a:r>
-            <a:r>
-              <a:rPr lang="en-CA" sz="1800" dirty="0"/>
-              <a:t> de </a:t>
-            </a:r>
-            <a:r>
-              <a:rPr lang="en-CA" sz="1800" dirty="0" err="1"/>
-              <a:t>ejecucion</a:t>
-            </a:r>
-            <a:r>
-              <a:rPr lang="en-CA" sz="1800" dirty="0"/>
-              <a:t> de la </a:t>
-            </a:r>
-            <a:r>
-              <a:rPr lang="en-CA" sz="1800" dirty="0" err="1"/>
-              <a:t>demodulacion</a:t>
-            </a:r>
-            <a:r>
-              <a:rPr lang="en-CA" sz="1800" dirty="0"/>
-              <a:t> para </a:t>
-            </a:r>
-            <a:r>
-              <a:rPr lang="en-CA" sz="1800" dirty="0" err="1"/>
-              <a:t>una</a:t>
-            </a:r>
-            <a:r>
-              <a:rPr lang="en-CA" sz="1800" dirty="0"/>
-              <a:t> </a:t>
-            </a:r>
-            <a:r>
-              <a:rPr lang="en-CA" sz="1800" dirty="0" err="1"/>
-              <a:t>muestra</a:t>
-            </a:r>
-            <a:r>
-              <a:rPr lang="en-CA" sz="1800" dirty="0"/>
-              <a:t> para la version 1(DSP).</a:t>
-            </a:r>
-          </a:p>
-          <a:p>
-            <a:endParaRPr lang="en-CA" sz="1800" dirty="0"/>
-          </a:p>
-          <a:p>
-            <a:endParaRPr lang="en-CA" sz="1800" dirty="0"/>
-          </a:p>
-          <a:p>
-            <a:r>
-              <a:rPr lang="en-CA" sz="1800" dirty="0"/>
-              <a:t>El </a:t>
-            </a:r>
-            <a:r>
-              <a:rPr lang="en-CA" sz="1800" dirty="0" err="1"/>
-              <a:t>tiempo</a:t>
-            </a:r>
-            <a:r>
-              <a:rPr lang="en-CA" sz="1800" dirty="0"/>
-              <a:t> </a:t>
-            </a:r>
-            <a:r>
-              <a:rPr lang="en-CA" sz="1800" dirty="0" err="1"/>
-              <a:t>medido</a:t>
-            </a:r>
-            <a:r>
-              <a:rPr lang="en-CA" sz="1800" dirty="0"/>
-              <a:t> </a:t>
-            </a:r>
-            <a:r>
-              <a:rPr lang="en-CA" sz="1800" dirty="0" err="1"/>
-              <a:t>fue</a:t>
-            </a:r>
-            <a:r>
-              <a:rPr lang="en-CA" sz="1800" dirty="0"/>
-              <a:t> de </a:t>
-            </a:r>
-            <a:r>
-              <a:rPr lang="en-CA" sz="1800" dirty="0" err="1"/>
-              <a:t>aproximadamente</a:t>
-            </a:r>
-            <a:r>
-              <a:rPr lang="en-CA" sz="1800" dirty="0"/>
-              <a:t> 15us, se </a:t>
-            </a:r>
-            <a:r>
-              <a:rPr lang="en-CA" sz="1800" dirty="0" err="1"/>
-              <a:t>deseaba</a:t>
-            </a:r>
-            <a:r>
-              <a:rPr lang="en-CA" sz="1800" dirty="0"/>
-              <a:t> un </a:t>
-            </a:r>
-            <a:r>
-              <a:rPr lang="en-CA" sz="1800" dirty="0" err="1"/>
-              <a:t>tiempo</a:t>
-            </a:r>
-            <a:r>
-              <a:rPr lang="en-CA" sz="1800" dirty="0"/>
-              <a:t> que </a:t>
-            </a:r>
-            <a:r>
-              <a:rPr lang="en-CA" sz="1800" dirty="0" err="1"/>
-              <a:t>fuera</a:t>
-            </a:r>
-            <a:r>
-              <a:rPr lang="en-CA" sz="1800" dirty="0"/>
-              <a:t> </a:t>
-            </a:r>
-            <a:r>
-              <a:rPr lang="en-CA" sz="1800" dirty="0" err="1"/>
-              <a:t>por</a:t>
-            </a:r>
-            <a:r>
-              <a:rPr lang="en-CA" sz="1800" dirty="0"/>
-              <a:t> lo </a:t>
-            </a:r>
-            <a:r>
-              <a:rPr lang="en-CA" sz="1800" dirty="0" err="1"/>
-              <a:t>menos</a:t>
-            </a:r>
-            <a:r>
-              <a:rPr lang="en-CA" sz="1800" dirty="0"/>
-              <a:t> la </a:t>
-            </a:r>
-            <a:r>
-              <a:rPr lang="en-CA" sz="1800" dirty="0" err="1"/>
-              <a:t>mitad</a:t>
-            </a:r>
-            <a:r>
-              <a:rPr lang="en-CA" sz="1800" dirty="0"/>
-              <a:t> de 83us.</a:t>
-            </a:r>
-          </a:p>
-          <a:p>
-            <a:endParaRPr lang="en-US" dirty="0"/>
-          </a:p>
-        </p:txBody>
-      </p:sp>
     </p:spTree>
     <p:extLst>
       <p:ext uri="{BB962C8B-B14F-4D97-AF65-F5344CB8AC3E}">
-        <p14:creationId xmlns:p14="http://schemas.microsoft.com/office/powerpoint/2010/main" val="1954206891"/>
+        <p14:creationId xmlns:p14="http://schemas.microsoft.com/office/powerpoint/2010/main" val="461507242"/>
       </p:ext>
     </p:extLst>
   </p:cSld>
@@ -6816,38 +6715,207 @@
             <p:ph type="title"/>
           </p:nvPr>
         </p:nvSpPr>
-        <p:spPr/>
+        <p:spPr>
+          <a:xfrm>
+            <a:off x="1269441" y="346656"/>
+            <a:ext cx="3547533" cy="1618396"/>
+          </a:xfrm>
+        </p:spPr>
         <p:txBody>
           <a:bodyPr/>
           <a:lstStyle/>
           <a:p>
-            <a:endParaRPr lang="en-US"/>
-          </a:p>
-        </p:txBody>
-      </p:sp>
-      <p:sp>
-        <p:nvSpPr>
-          <p:cNvPr id="3" name="Marcador de contenido 2"/>
-          <p:cNvSpPr>
-            <a:spLocks noGrp="1"/>
-          </p:cNvSpPr>
+            <a:r>
+              <a:rPr lang="en-CA" sz="4000" dirty="0"/>
+              <a:t>Version1-DAC y ADC</a:t>
+            </a:r>
+            <a:endParaRPr lang="en-US" sz="4000" dirty="0"/>
+          </a:p>
+        </p:txBody>
+      </p:sp>
+      <p:pic>
+        <p:nvPicPr>
+          <p:cNvPr id="4" name="Marcador de contenido 3"/>
+          <p:cNvPicPr>
+            <a:picLocks noGrp="1" noChangeAspect="1"/>
+          </p:cNvPicPr>
           <p:nvPr>
             <p:ph idx="1"/>
           </p:nvPr>
-        </p:nvSpPr>
-        <p:spPr/>
+        </p:nvPicPr>
+        <p:blipFill>
+          <a:blip r:embed="rId2">
+            <a:extLst>
+              <a:ext uri="{28A0092B-C50C-407E-A947-70E740481C1C}">
+                <a14:useLocalDpi xmlns:a14="http://schemas.microsoft.com/office/drawing/2010/main" val="0"/>
+              </a:ext>
+            </a:extLst>
+          </a:blip>
+          <a:stretch>
+            <a:fillRect/>
+          </a:stretch>
+        </p:blipFill>
+        <p:spPr>
+          <a:xfrm>
+            <a:off x="4882288" y="1155854"/>
+            <a:ext cx="7040303" cy="5323323"/>
+          </a:xfrm>
+        </p:spPr>
+      </p:pic>
+      <p:sp>
+        <p:nvSpPr>
+          <p:cNvPr id="5" name="Marcador de texto 4"/>
+          <p:cNvSpPr>
+            <a:spLocks noGrp="1"/>
+          </p:cNvSpPr>
+          <p:nvPr>
+            <p:ph type="body" sz="half" idx="2"/>
+          </p:nvPr>
+        </p:nvSpPr>
+        <p:spPr>
+          <a:xfrm>
+            <a:off x="444137" y="2260738"/>
+            <a:ext cx="4176547" cy="4309879"/>
+          </a:xfrm>
+        </p:spPr>
         <p:txBody>
           <a:bodyPr/>
           <a:lstStyle/>
           <a:p>
-            <a:endParaRPr lang="en-US"/>
+            <a:r>
+              <a:rPr lang="en-CA" sz="1800" dirty="0" err="1"/>
+              <a:t>Medicion</a:t>
+            </a:r>
+            <a:r>
+              <a:rPr lang="en-CA" sz="1800" dirty="0"/>
+              <a:t> del </a:t>
+            </a:r>
+            <a:r>
+              <a:rPr lang="en-CA" sz="1800" dirty="0" err="1"/>
+              <a:t>tiempo</a:t>
+            </a:r>
+            <a:r>
+              <a:rPr lang="en-CA" sz="1800" dirty="0"/>
+              <a:t> de </a:t>
+            </a:r>
+            <a:r>
+              <a:rPr lang="en-CA" sz="1800" dirty="0" err="1"/>
+              <a:t>ejecucion</a:t>
+            </a:r>
+            <a:r>
+              <a:rPr lang="en-CA" sz="1800" dirty="0"/>
+              <a:t> de la </a:t>
+            </a:r>
+            <a:r>
+              <a:rPr lang="en-CA" sz="1800" dirty="0" err="1"/>
+              <a:t>demodulacion</a:t>
+            </a:r>
+            <a:r>
+              <a:rPr lang="en-CA" sz="1800" dirty="0"/>
+              <a:t> para </a:t>
+            </a:r>
+            <a:r>
+              <a:rPr lang="en-CA" sz="1800" dirty="0" err="1"/>
+              <a:t>una</a:t>
+            </a:r>
+            <a:r>
+              <a:rPr lang="en-CA" sz="1800" dirty="0"/>
+              <a:t> </a:t>
+            </a:r>
+            <a:r>
+              <a:rPr lang="en-CA" sz="1800" dirty="0" err="1"/>
+              <a:t>muestra</a:t>
+            </a:r>
+            <a:r>
+              <a:rPr lang="en-CA" sz="1800" dirty="0"/>
+              <a:t> para la version 1(DSP).</a:t>
+            </a:r>
+          </a:p>
+          <a:p>
+            <a:endParaRPr lang="en-CA" sz="1800" dirty="0"/>
+          </a:p>
+          <a:p>
+            <a:endParaRPr lang="en-CA" sz="1800" dirty="0"/>
+          </a:p>
+          <a:p>
+            <a:r>
+              <a:rPr lang="en-CA" sz="1800" dirty="0"/>
+              <a:t>El </a:t>
+            </a:r>
+            <a:r>
+              <a:rPr lang="en-CA" sz="1800" dirty="0" err="1"/>
+              <a:t>tiempo</a:t>
+            </a:r>
+            <a:r>
+              <a:rPr lang="en-CA" sz="1800" dirty="0"/>
+              <a:t> </a:t>
+            </a:r>
+            <a:r>
+              <a:rPr lang="en-CA" sz="1800" dirty="0" err="1"/>
+              <a:t>medido</a:t>
+            </a:r>
+            <a:r>
+              <a:rPr lang="en-CA" sz="1800" dirty="0"/>
+              <a:t> </a:t>
+            </a:r>
+            <a:r>
+              <a:rPr lang="en-CA" sz="1800" dirty="0" err="1"/>
+              <a:t>fue</a:t>
+            </a:r>
+            <a:r>
+              <a:rPr lang="en-CA" sz="1800" dirty="0"/>
+              <a:t> de </a:t>
+            </a:r>
+            <a:r>
+              <a:rPr lang="en-CA" sz="1800" dirty="0" err="1"/>
+              <a:t>aproximadamente</a:t>
+            </a:r>
+            <a:r>
+              <a:rPr lang="en-CA" sz="1800" dirty="0"/>
+              <a:t> 15us, se </a:t>
+            </a:r>
+            <a:r>
+              <a:rPr lang="en-CA" sz="1800" dirty="0" err="1"/>
+              <a:t>deseaba</a:t>
+            </a:r>
+            <a:r>
+              <a:rPr lang="en-CA" sz="1800" dirty="0"/>
+              <a:t> un </a:t>
+            </a:r>
+            <a:r>
+              <a:rPr lang="en-CA" sz="1800" dirty="0" err="1"/>
+              <a:t>tiempo</a:t>
+            </a:r>
+            <a:r>
+              <a:rPr lang="en-CA" sz="1800" dirty="0"/>
+              <a:t> que </a:t>
+            </a:r>
+            <a:r>
+              <a:rPr lang="en-CA" sz="1800" dirty="0" err="1"/>
+              <a:t>fuera</a:t>
+            </a:r>
+            <a:r>
+              <a:rPr lang="en-CA" sz="1800" dirty="0"/>
+              <a:t> a lo sumo la </a:t>
+            </a:r>
+            <a:r>
+              <a:rPr lang="en-CA" sz="1800" dirty="0" err="1"/>
+              <a:t>mitad</a:t>
+            </a:r>
+            <a:r>
+              <a:rPr lang="en-CA" sz="1800" dirty="0"/>
+              <a:t> de 83us.</a:t>
+            </a:r>
+          </a:p>
+          <a:p>
+            <a:endParaRPr lang="en-US" dirty="0"/>
           </a:p>
         </p:txBody>
       </p:sp>
     </p:spTree>
     <p:extLst>
       <p:ext uri="{BB962C8B-B14F-4D97-AF65-F5344CB8AC3E}">
-        <p14:creationId xmlns:p14="http://schemas.microsoft.com/office/powerpoint/2010/main" val="2120923631"/>
+        <p14:creationId xmlns:p14="http://schemas.microsoft.com/office/powerpoint/2010/main" val="1954206891"/>
       </p:ext>
     </p:extLst>
   </p:cSld>
@@ -6889,52 +6957,46 @@
           <a:bodyPr/>
           <a:lstStyle/>
           <a:p>
-            <a:endParaRPr lang="en-US"/>
-          </a:p>
-        </p:txBody>
-      </p:sp>
-      <p:sp>
-        <p:nvSpPr>
-          <p:cNvPr id="3" name="Marcador de texto 2"/>
-          <p:cNvSpPr>
-            <a:spLocks noGrp="1"/>
-          </p:cNvSpPr>
-          <p:nvPr>
-            <p:ph type="body" idx="1"/>
-          </p:nvPr>
-        </p:nvSpPr>
-        <p:spPr/>
-        <p:txBody>
-          <a:bodyPr/>
-          <a:lstStyle/>
-          <a:p>
-            <a:endParaRPr lang="en-US"/>
-          </a:p>
-        </p:txBody>
-      </p:sp>
-      <p:sp>
-        <p:nvSpPr>
-          <p:cNvPr id="4" name="Marcador de texto 3"/>
-          <p:cNvSpPr>
-            <a:spLocks noGrp="1"/>
-          </p:cNvSpPr>
-          <p:nvPr>
-            <p:ph type="body" sz="quarter" idx="16"/>
-          </p:nvPr>
-        </p:nvSpPr>
-        <p:spPr/>
-        <p:txBody>
-          <a:bodyPr/>
-          <a:lstStyle/>
-          <a:p>
-            <a:endParaRPr lang="en-US"/>
-          </a:p>
-        </p:txBody>
-      </p:sp>
+            <a:r>
+              <a:rPr lang="en-US" dirty="0"/>
+              <a:t>Measure Frequency</a:t>
+            </a:r>
+          </a:p>
+        </p:txBody>
+      </p:sp>
+      <p:pic>
+        <p:nvPicPr>
+          <p:cNvPr id="5" name="Marcador de contenido 4" descr="Imagen que contiene tabla, pantalla, monitor, negro&#10;&#10;Descripción generada automáticamente">
+            <a:extLst>
+              <a:ext uri="{FF2B5EF4-FFF2-40B4-BE49-F238E27FC236}">
+                <a16:creationId xmlns:a16="http://schemas.microsoft.com/office/drawing/2014/main" id="{F6C164C1-614A-450F-8CFB-1678D0AD17AB}"/>
+              </a:ext>
+            </a:extLst>
+          </p:cNvPr>
+          <p:cNvPicPr>
+            <a:picLocks noGrp="1" noChangeAspect="1"/>
+          </p:cNvPicPr>
+          <p:nvPr>
+            <p:ph idx="1"/>
+          </p:nvPr>
+        </p:nvPicPr>
+        <p:blipFill>
+          <a:blip r:embed="rId2"/>
+          <a:stretch>
+            <a:fillRect/>
+          </a:stretch>
+        </p:blipFill>
+        <p:spPr>
+          <a:xfrm>
+            <a:off x="3587262" y="2119970"/>
+            <a:ext cx="4234375" cy="4290842"/>
+          </a:xfrm>
+        </p:spPr>
+      </p:pic>
     </p:spTree>
     <p:extLst>
       <p:ext uri="{BB962C8B-B14F-4D97-AF65-F5344CB8AC3E}">
-        <p14:creationId xmlns:p14="http://schemas.microsoft.com/office/powerpoint/2010/main" val="1013696408"/>
+        <p14:creationId xmlns:p14="http://schemas.microsoft.com/office/powerpoint/2010/main" val="2120923631"/>
       </p:ext>
     </p:extLst>
   </p:cSld>
@@ -6963,7 +7025,13 @@
       </p:grpSpPr>
       <p:sp>
         <p:nvSpPr>
-          <p:cNvPr id="2" name="Título 1"/>
+          <p:cNvPr id="2" name="Título 1">
+            <a:extLst>
+              <a:ext uri="{FF2B5EF4-FFF2-40B4-BE49-F238E27FC236}">
+                <a16:creationId xmlns:a16="http://schemas.microsoft.com/office/drawing/2014/main" id="{F4DD9C3E-E01E-4516-AC98-6E6493905C04}"/>
+              </a:ext>
+            </a:extLst>
+          </p:cNvPr>
           <p:cNvSpPr>
             <a:spLocks noGrp="1"/>
           </p:cNvSpPr>
@@ -6977,128 +7045,61 @@
           <a:lstStyle/>
           <a:p>
             <a:r>
-              <a:rPr lang="es-AR" sz="4000" dirty="0"/>
-              <a:t>CMP</a:t>
-            </a:r>
-            <a:endParaRPr lang="en-US" sz="4000" dirty="0"/>
-          </a:p>
-        </p:txBody>
-      </p:sp>
-      <p:sp>
-        <p:nvSpPr>
-          <p:cNvPr id="3" name="Marcador de contenido 2"/>
-          <p:cNvSpPr>
-            <a:spLocks noGrp="1"/>
-          </p:cNvSpPr>
+              <a:rPr lang="es-AR" dirty="0"/>
+              <a:t>FTM – Flex (</a:t>
+            </a:r>
+            <a:r>
+              <a:rPr lang="es-AR" dirty="0" err="1"/>
+              <a:t>enhanced</a:t>
+            </a:r>
+            <a:r>
+              <a:rPr lang="es-AR" dirty="0"/>
+              <a:t>) </a:t>
+            </a:r>
+            <a:r>
+              <a:rPr lang="es-AR" dirty="0" err="1"/>
+              <a:t>Timer</a:t>
+            </a:r>
+            <a:r>
+              <a:rPr lang="es-AR" dirty="0"/>
+              <a:t> Module</a:t>
+            </a:r>
+          </a:p>
+        </p:txBody>
+      </p:sp>
+      <p:pic>
+        <p:nvPicPr>
+          <p:cNvPr id="5" name="Marcador de contenido 4" descr="Captura de pantalla con letras&#10;&#10;Descripción generada automáticamente">
+            <a:extLst>
+              <a:ext uri="{FF2B5EF4-FFF2-40B4-BE49-F238E27FC236}">
+                <a16:creationId xmlns:a16="http://schemas.microsoft.com/office/drawing/2014/main" id="{6C1E6D2F-C735-4653-8A0C-8B0B56C2C3F6}"/>
+              </a:ext>
+            </a:extLst>
+          </p:cNvPr>
+          <p:cNvPicPr>
+            <a:picLocks noGrp="1" noChangeAspect="1"/>
+          </p:cNvPicPr>
           <p:nvPr>
             <p:ph idx="1"/>
           </p:nvPr>
-        </p:nvSpPr>
-        <p:spPr/>
-        <p:txBody>
-          <a:bodyPr anchor="t">
-            <a:normAutofit/>
-          </a:bodyPr>
-          <a:lstStyle/>
-          <a:p>
-            <a:pPr marL="0" indent="0">
-              <a:buNone/>
-            </a:pPr>
-            <a:r>
-              <a:rPr lang="es-AR" sz="2800" dirty="0"/>
-              <a:t>Servicios</a:t>
-            </a:r>
-          </a:p>
-          <a:p>
-            <a:pPr marL="0" indent="0">
-              <a:buNone/>
-            </a:pPr>
-            <a:endParaRPr lang="en-US" dirty="0"/>
-          </a:p>
-          <a:p>
-            <a:r>
-              <a:rPr lang="en-US" i="1" dirty="0"/>
-              <a:t>void </a:t>
-            </a:r>
-            <a:r>
-              <a:rPr lang="en-US" i="1" dirty="0" err="1"/>
-              <a:t>initCMP</a:t>
-            </a:r>
-            <a:r>
-              <a:rPr lang="en-US" i="1" dirty="0"/>
-              <a:t>(</a:t>
-            </a:r>
-            <a:r>
-              <a:rPr lang="en-US" b="1" i="1" dirty="0" err="1"/>
-              <a:t>cmps_ids</a:t>
-            </a:r>
-            <a:r>
-              <a:rPr lang="en-US" b="1" i="1" dirty="0"/>
-              <a:t> id);</a:t>
-            </a:r>
-            <a:endParaRPr lang="es-AR" sz="2800" dirty="0"/>
-          </a:p>
-        </p:txBody>
-      </p:sp>
-      <p:sp>
-        <p:nvSpPr>
-          <p:cNvPr id="4" name="Marcador de texto 3"/>
-          <p:cNvSpPr>
-            <a:spLocks noGrp="1"/>
-          </p:cNvSpPr>
-          <p:nvPr>
-            <p:ph type="body" sz="half" idx="2"/>
-          </p:nvPr>
-        </p:nvSpPr>
-        <p:spPr/>
-        <p:txBody>
-          <a:bodyPr/>
-          <a:lstStyle/>
-          <a:p>
-            <a:pPr marL="285750" indent="-285750">
-              <a:buFont typeface="Arial" panose="020B0604020202020204" pitchFamily="34" charset="0"/>
-              <a:buChar char="•"/>
-            </a:pPr>
-            <a:r>
-              <a:rPr lang="es-AR" dirty="0"/>
-              <a:t>Comparador por cruce por nivel 1.65V con referencia de tensión interna.</a:t>
-            </a:r>
-          </a:p>
-          <a:p>
-            <a:pPr marL="285750" indent="-285750">
-              <a:buFont typeface="Arial" panose="020B0604020202020204" pitchFamily="34" charset="0"/>
-              <a:buChar char="•"/>
-            </a:pPr>
-            <a:r>
-              <a:rPr lang="es-AR" dirty="0"/>
-              <a:t>Uso de histéresis.</a:t>
-            </a:r>
-          </a:p>
-          <a:p>
-            <a:pPr marL="285750" indent="-285750">
-              <a:buFont typeface="Arial" panose="020B0604020202020204" pitchFamily="34" charset="0"/>
-              <a:buChar char="•"/>
-            </a:pPr>
-            <a:r>
-              <a:rPr lang="es-AR" dirty="0"/>
-              <a:t>Salida del comparador conectada </a:t>
-            </a:r>
-            <a:r>
-              <a:rPr lang="es-AR" dirty="0" err="1"/>
-              <a:t>alFTM</a:t>
-            </a:r>
-            <a:r>
-              <a:rPr lang="es-AR" dirty="0"/>
-              <a:t> input capture.</a:t>
-            </a:r>
-            <a:endParaRPr lang="en-US" dirty="0"/>
-          </a:p>
-        </p:txBody>
-      </p:sp>
+        </p:nvPicPr>
+        <p:blipFill>
+          <a:blip r:embed="rId2"/>
+          <a:stretch>
+            <a:fillRect/>
+          </a:stretch>
+        </p:blipFill>
+        <p:spPr>
+          <a:xfrm>
+            <a:off x="2464284" y="2264703"/>
+            <a:ext cx="7263429" cy="4037623"/>
+          </a:xfrm>
+        </p:spPr>
+      </p:pic>
     </p:spTree>
     <p:extLst>
       <p:ext uri="{BB962C8B-B14F-4D97-AF65-F5344CB8AC3E}">
-        <p14:creationId xmlns:p14="http://schemas.microsoft.com/office/powerpoint/2010/main" val="140423748"/>
+        <p14:creationId xmlns:p14="http://schemas.microsoft.com/office/powerpoint/2010/main" val="1684926305"/>
       </p:ext>
     </p:extLst>
   </p:cSld>
@@ -7142,7 +7143,7 @@
           <a:p>
             <a:r>
               <a:rPr lang="es-AR" sz="4000" dirty="0"/>
-              <a:t>DMA</a:t>
+              <a:t>CMP</a:t>
             </a:r>
             <a:endParaRPr lang="en-US" sz="4000" dirty="0"/>
           </a:p>
@@ -7161,372 +7162,62 @@
         <p:spPr/>
         <p:txBody>
           <a:bodyPr anchor="t">
-            <a:normAutofit fontScale="92500" lnSpcReduction="10000"/>
-          </a:bodyPr>
-          <a:lstStyle/>
-          <a:p>
-            <a:pPr marL="0" indent="0">
-              <a:buNone/>
-            </a:pPr>
-            <a:r>
-              <a:rPr lang="es-AR" sz="2800" dirty="0" err="1"/>
-              <a:t>DMA.h</a:t>
-            </a:r>
-            <a:endParaRPr lang="es-AR" sz="2800" dirty="0"/>
-          </a:p>
-          <a:p>
-            <a:pPr marL="0" indent="0">
-              <a:buNone/>
-            </a:pPr>
-            <a:endParaRPr lang="en-US" dirty="0"/>
-          </a:p>
-          <a:p>
-            <a:pPr marL="0" indent="0">
-              <a:buNone/>
-            </a:pPr>
-            <a:r>
-              <a:rPr lang="en-US" dirty="0"/>
-              <a:t>typedef struct{</a:t>
-            </a:r>
-          </a:p>
-          <a:p>
-            <a:pPr marL="400050" lvl="1" indent="0">
-              <a:buNone/>
-            </a:pPr>
-            <a:r>
-              <a:rPr lang="en-US" dirty="0"/>
-              <a:t>    </a:t>
-            </a:r>
-            <a:r>
-              <a:rPr lang="en-US" i="1" dirty="0"/>
-              <a:t>uint32_t </a:t>
-            </a:r>
-            <a:r>
-              <a:rPr lang="en-US" b="1" i="1" dirty="0" err="1"/>
-              <a:t>source_address</a:t>
-            </a:r>
-            <a:r>
-              <a:rPr lang="en-US" b="1" i="1" dirty="0"/>
-              <a:t>;		</a:t>
-            </a:r>
-            <a:r>
-              <a:rPr lang="en-US" sz="1200" i="1" dirty="0"/>
-              <a:t>//Source address</a:t>
-            </a:r>
-            <a:endParaRPr lang="en-US" i="1" dirty="0"/>
-          </a:p>
-          <a:p>
-            <a:pPr marL="400050" lvl="1" indent="0">
-              <a:buNone/>
-            </a:pPr>
-            <a:r>
-              <a:rPr lang="en-US" dirty="0"/>
-              <a:t>    </a:t>
-            </a:r>
-            <a:r>
-              <a:rPr lang="en-US" i="1" dirty="0"/>
-              <a:t>uint32_t</a:t>
-            </a:r>
-            <a:r>
-              <a:rPr lang="en-US" b="1" i="1" dirty="0"/>
-              <a:t> </a:t>
-            </a:r>
-            <a:r>
-              <a:rPr lang="en-US" b="1" i="1" dirty="0" err="1"/>
-              <a:t>dest_address</a:t>
-            </a:r>
-            <a:r>
-              <a:rPr lang="en-US" b="1" i="1" dirty="0"/>
-              <a:t>;                  	</a:t>
-            </a:r>
-            <a:r>
-              <a:rPr lang="en-US" sz="1200" i="1" dirty="0"/>
-              <a:t>//destination address</a:t>
-            </a:r>
-            <a:endParaRPr lang="en-US" i="1" dirty="0"/>
-          </a:p>
-          <a:p>
-            <a:pPr marL="400050" lvl="1" indent="0">
-              <a:buNone/>
-            </a:pPr>
-            <a:r>
-              <a:rPr lang="en-US" dirty="0"/>
-              <a:t>    </a:t>
-            </a:r>
-            <a:r>
-              <a:rPr lang="en-US" i="1" dirty="0"/>
-              <a:t>uint8_t </a:t>
-            </a:r>
-            <a:r>
-              <a:rPr lang="en-US" b="1" i="1" dirty="0" err="1"/>
-              <a:t>transf_size</a:t>
-            </a:r>
-            <a:r>
-              <a:rPr lang="en-US" b="1" i="1" dirty="0"/>
-              <a:t>;  			</a:t>
-            </a:r>
-            <a:r>
-              <a:rPr lang="en-US" sz="1200" i="1" dirty="0"/>
-              <a:t>//transfer size</a:t>
-            </a:r>
-            <a:endParaRPr lang="en-US" i="1" dirty="0"/>
-          </a:p>
-          <a:p>
-            <a:pPr marL="400050" lvl="1" indent="0">
-              <a:buNone/>
-            </a:pPr>
-            <a:r>
-              <a:rPr lang="en-US" dirty="0"/>
-              <a:t>    </a:t>
-            </a:r>
-            <a:r>
-              <a:rPr lang="en-US" i="1" dirty="0"/>
-              <a:t>int16_t </a:t>
-            </a:r>
-            <a:r>
-              <a:rPr lang="en-US" b="1" i="1" dirty="0"/>
-              <a:t>offset;</a:t>
-            </a:r>
-          </a:p>
-          <a:p>
-            <a:pPr marL="400050" lvl="1" indent="0">
-              <a:buNone/>
-            </a:pPr>
-            <a:r>
-              <a:rPr lang="en-US" dirty="0"/>
-              <a:t>    </a:t>
-            </a:r>
-            <a:r>
-              <a:rPr lang="en-US" i="1" dirty="0"/>
-              <a:t>uint32_t </a:t>
-            </a:r>
-            <a:r>
-              <a:rPr lang="en-US" b="1" i="1" dirty="0" err="1"/>
-              <a:t>bytes_per_request</a:t>
-            </a:r>
-            <a:r>
-              <a:rPr lang="en-US" b="1" i="1" dirty="0"/>
-              <a:t>;		</a:t>
-            </a:r>
-            <a:r>
-              <a:rPr lang="en-US" sz="1200" i="1" dirty="0"/>
-              <a:t>//bytes a </a:t>
-            </a:r>
-            <a:r>
-              <a:rPr lang="en-US" sz="1200" i="1" dirty="0" err="1"/>
-              <a:t>transferir</a:t>
-            </a:r>
-            <a:r>
-              <a:rPr lang="en-US" sz="1200" i="1" dirty="0"/>
-              <a:t> </a:t>
-            </a:r>
-            <a:r>
-              <a:rPr lang="en-US" sz="1200" i="1" dirty="0" err="1"/>
-              <a:t>en</a:t>
-            </a:r>
-            <a:r>
-              <a:rPr lang="en-US" sz="1200" i="1" dirty="0"/>
-              <a:t> </a:t>
-            </a:r>
-            <a:r>
-              <a:rPr lang="en-US" sz="1200" i="1" dirty="0" err="1"/>
-              <a:t>cada</a:t>
-            </a:r>
-            <a:r>
-              <a:rPr lang="en-US" sz="1200" i="1" dirty="0"/>
-              <a:t> 									minor loop</a:t>
-            </a:r>
-            <a:endParaRPr lang="en-US" i="1" dirty="0"/>
-          </a:p>
-          <a:p>
-            <a:pPr marL="400050" lvl="1" indent="0">
-              <a:buNone/>
-            </a:pPr>
-            <a:r>
-              <a:rPr lang="en-US" dirty="0"/>
-              <a:t>    </a:t>
-            </a:r>
-            <a:r>
-              <a:rPr lang="en-US" i="1" dirty="0"/>
-              <a:t>uint32_t </a:t>
-            </a:r>
-            <a:r>
-              <a:rPr lang="en-US" b="1" i="1" dirty="0" err="1"/>
-              <a:t>total_bytes</a:t>
-            </a:r>
-            <a:r>
-              <a:rPr lang="en-US" b="1" i="1" dirty="0"/>
-              <a:t>;              		</a:t>
-            </a:r>
-            <a:r>
-              <a:rPr lang="en-US" sz="1200" i="1" dirty="0"/>
-              <a:t>//</a:t>
-            </a:r>
-            <a:r>
-              <a:rPr lang="en-US" sz="1200" i="1" dirty="0" err="1"/>
-              <a:t>cantidad</a:t>
-            </a:r>
-            <a:r>
-              <a:rPr lang="en-US" sz="1200" i="1" dirty="0"/>
-              <a:t> total de bytes a 									</a:t>
-            </a:r>
-            <a:r>
-              <a:rPr lang="en-US" sz="1200" i="1" dirty="0" err="1"/>
-              <a:t>transferir</a:t>
-            </a:r>
-            <a:endParaRPr lang="en-US" i="1" dirty="0"/>
-          </a:p>
-          <a:p>
-            <a:pPr marL="400050" lvl="1" indent="0">
-              <a:buNone/>
-            </a:pPr>
-            <a:r>
-              <a:rPr lang="en-US" dirty="0"/>
-              <a:t>    </a:t>
-            </a:r>
-            <a:r>
-              <a:rPr lang="en-US" i="1" dirty="0" err="1"/>
-              <a:t>dma_mode_t</a:t>
-            </a:r>
-            <a:r>
-              <a:rPr lang="en-US" i="1" dirty="0"/>
-              <a:t> </a:t>
-            </a:r>
-            <a:r>
-              <a:rPr lang="en-US" b="1" i="1" dirty="0"/>
-              <a:t>mode;</a:t>
-            </a:r>
-            <a:endParaRPr lang="en-US" dirty="0"/>
-          </a:p>
-          <a:p>
-            <a:pPr marL="400050" lvl="1" indent="0">
-              <a:buNone/>
-            </a:pPr>
-            <a:r>
-              <a:rPr lang="fr-FR" dirty="0"/>
-              <a:t>    </a:t>
-            </a:r>
-            <a:r>
-              <a:rPr lang="fr-FR" i="1" dirty="0"/>
-              <a:t>uint8_t </a:t>
-            </a:r>
-            <a:r>
-              <a:rPr lang="fr-FR" b="1" i="1" dirty="0" err="1"/>
-              <a:t>channel</a:t>
-            </a:r>
-            <a:r>
-              <a:rPr lang="fr-FR" b="1" i="1" dirty="0"/>
-              <a:t>;				</a:t>
-            </a:r>
-            <a:r>
-              <a:rPr lang="fr-FR" sz="1200" i="1" dirty="0"/>
-              <a:t>//para el </a:t>
-            </a:r>
-            <a:r>
-              <a:rPr lang="fr-FR" sz="1200" i="1" dirty="0" err="1"/>
-              <a:t>dma_mux</a:t>
-            </a:r>
-            <a:endParaRPr lang="fr-FR" i="1" dirty="0"/>
-          </a:p>
-          <a:p>
-            <a:pPr marL="400050" lvl="1" indent="0">
-              <a:buNone/>
-            </a:pPr>
-            <a:r>
-              <a:rPr lang="fr-FR" dirty="0"/>
-              <a:t>    </a:t>
-            </a:r>
-            <a:r>
-              <a:rPr lang="fr-FR" i="1" dirty="0"/>
-              <a:t>uint16_t </a:t>
-            </a:r>
-            <a:r>
-              <a:rPr lang="fr-FR" b="1" i="1" dirty="0" err="1"/>
-              <a:t>request_source</a:t>
-            </a:r>
-            <a:r>
-              <a:rPr lang="fr-FR" b="1" i="1" dirty="0"/>
-              <a:t>;		</a:t>
-            </a:r>
-            <a:r>
-              <a:rPr lang="fr-FR" sz="1200" i="1" dirty="0"/>
-              <a:t>//</a:t>
-            </a:r>
-            <a:r>
-              <a:rPr lang="fr-FR" sz="1200" i="1" dirty="0" err="1"/>
-              <a:t>request</a:t>
-            </a:r>
-            <a:r>
-              <a:rPr lang="fr-FR" sz="1200" i="1" dirty="0"/>
-              <a:t> source for dma</a:t>
-            </a:r>
-            <a:endParaRPr lang="fr-FR" i="1" dirty="0"/>
-          </a:p>
-          <a:p>
-            <a:pPr marL="400050" lvl="1" indent="0">
-              <a:buNone/>
-            </a:pPr>
-            <a:r>
-              <a:rPr lang="en-US" dirty="0"/>
-              <a:t>    bool</a:t>
-            </a:r>
-            <a:r>
-              <a:rPr lang="en-US" b="1" dirty="0"/>
-              <a:t> </a:t>
-            </a:r>
-            <a:r>
-              <a:rPr lang="en-US" b="1" dirty="0" err="1"/>
-              <a:t>periodic_trigger</a:t>
-            </a:r>
-            <a:r>
-              <a:rPr lang="en-US" b="1" dirty="0"/>
-              <a:t>;</a:t>
-            </a:r>
-            <a:r>
-              <a:rPr lang="en-US" dirty="0"/>
-              <a:t>			</a:t>
-            </a:r>
-            <a:r>
-              <a:rPr lang="en-US" sz="1200" dirty="0"/>
-              <a:t>//enable periodic trigger</a:t>
-            </a:r>
-            <a:endParaRPr lang="en-US" dirty="0"/>
-          </a:p>
-          <a:p>
-            <a:pPr marL="0" indent="0">
-              <a:buNone/>
-            </a:pPr>
-            <a:r>
-              <a:rPr lang="en-US" dirty="0"/>
-              <a:t>}</a:t>
-            </a:r>
-            <a:r>
-              <a:rPr lang="en-US" b="1" i="1" dirty="0" err="1"/>
-              <a:t>dma_transfer_conf_t</a:t>
-            </a:r>
-            <a:r>
-              <a:rPr lang="en-US" b="1" i="1" dirty="0"/>
-              <a:t>;</a:t>
-            </a:r>
-            <a:endParaRPr lang="es-AR" sz="2800" dirty="0"/>
-          </a:p>
-        </p:txBody>
-      </p:sp>
-      <p:sp>
-        <p:nvSpPr>
-          <p:cNvPr id="4" name="Marcador de texto 3"/>
-          <p:cNvSpPr>
-            <a:spLocks noGrp="1"/>
-          </p:cNvSpPr>
-          <p:nvPr>
-            <p:ph type="body" sz="half" idx="2"/>
-          </p:nvPr>
-        </p:nvSpPr>
-        <p:spPr/>
-        <p:txBody>
-          <a:bodyPr>
             <a:normAutofit/>
           </a:bodyPr>
+          <a:lstStyle/>
+          <a:p>
+            <a:pPr marL="0" indent="0">
+              <a:buNone/>
+            </a:pPr>
+            <a:r>
+              <a:rPr lang="es-AR" sz="2800" dirty="0"/>
+              <a:t>Servicios</a:t>
+            </a:r>
+          </a:p>
+          <a:p>
+            <a:pPr marL="0" indent="0">
+              <a:buNone/>
+            </a:pPr>
+            <a:endParaRPr lang="en-US" dirty="0"/>
+          </a:p>
+          <a:p>
+            <a:r>
+              <a:rPr lang="en-US" i="1" dirty="0"/>
+              <a:t>void </a:t>
+            </a:r>
+            <a:r>
+              <a:rPr lang="en-US" i="1" dirty="0" err="1"/>
+              <a:t>initCMP</a:t>
+            </a:r>
+            <a:r>
+              <a:rPr lang="en-US" i="1" dirty="0"/>
+              <a:t>(</a:t>
+            </a:r>
+            <a:r>
+              <a:rPr lang="en-US" b="1" i="1" dirty="0" err="1"/>
+              <a:t>cmps_ids</a:t>
+            </a:r>
+            <a:r>
+              <a:rPr lang="en-US" b="1" i="1" dirty="0"/>
+              <a:t> id);</a:t>
+            </a:r>
+            <a:endParaRPr lang="es-AR" sz="2800" dirty="0"/>
+          </a:p>
+        </p:txBody>
+      </p:sp>
+      <p:sp>
+        <p:nvSpPr>
+          <p:cNvPr id="4" name="Marcador de texto 3"/>
+          <p:cNvSpPr>
+            <a:spLocks noGrp="1"/>
+          </p:cNvSpPr>
+          <p:nvPr>
+            <p:ph type="body" sz="half" idx="2"/>
+          </p:nvPr>
+        </p:nvSpPr>
+        <p:spPr/>
+        <p:txBody>
+          <a:bodyPr/>
           <a:lstStyle/>
           <a:p>
             <a:pPr marL="285750" indent="-285750">
@@ -7534,6 +7225,480 @@
               <a:buChar char="•"/>
             </a:pPr>
             <a:r>
+              <a:rPr lang="es-AR" dirty="0"/>
+              <a:t>Comparador por cruce por nivel 1.65V con referencia de tensión interna.</a:t>
+            </a:r>
+          </a:p>
+          <a:p>
+            <a:pPr marL="285750" indent="-285750">
+              <a:buFont typeface="Arial" panose="020B0604020202020204" pitchFamily="34" charset="0"/>
+              <a:buChar char="•"/>
+            </a:pPr>
+            <a:r>
+              <a:rPr lang="es-AR" dirty="0"/>
+              <a:t>Uso de histéresis.</a:t>
+            </a:r>
+          </a:p>
+          <a:p>
+            <a:pPr marL="285750" indent="-285750">
+              <a:buFont typeface="Arial" panose="020B0604020202020204" pitchFamily="34" charset="0"/>
+              <a:buChar char="•"/>
+            </a:pPr>
+            <a:r>
+              <a:rPr lang="es-AR" dirty="0"/>
+              <a:t>Salida del comparador conectada </a:t>
+            </a:r>
+            <a:r>
+              <a:rPr lang="es-AR" dirty="0" err="1"/>
+              <a:t>alFTM</a:t>
+            </a:r>
+            <a:r>
+              <a:rPr lang="es-AR" dirty="0"/>
+              <a:t> input capture.</a:t>
+            </a:r>
+            <a:endParaRPr lang="en-US" dirty="0"/>
+          </a:p>
+        </p:txBody>
+      </p:sp>
+    </p:spTree>
+    <p:extLst>
+      <p:ext uri="{BB962C8B-B14F-4D97-AF65-F5344CB8AC3E}">
+        <p14:creationId xmlns:p14="http://schemas.microsoft.com/office/powerpoint/2010/main" val="140423748"/>
+      </p:ext>
+    </p:extLst>
+  </p:cSld>
+  <p:clrMapOvr>
+    <a:masterClrMapping/>
+  </p:clrMapOvr>
+</p:sld>
+</file>
+
+<file path=ppt/slides/slide8.xml><?xml version="1.0" encoding="utf-8"?>
+<p:sld xmlns:a="http://schemas.openxmlformats.org/drawingml/2006/main" xmlns:r="http://schemas.openxmlformats.org/officeDocument/2006/relationships" xmlns:p="http://schemas.openxmlformats.org/presentationml/2006/main">
+  <p:cSld>
+    <p:spTree>
+      <p:nvGrpSpPr>
+        <p:cNvPr id="1" name=""/>
+        <p:cNvGrpSpPr/>
+        <p:nvPr/>
+      </p:nvGrpSpPr>
+      <p:grpSpPr>
+        <a:xfrm>
+          <a:off x="0" y="0"/>
+          <a:ext cx="0" cy="0"/>
+          <a:chOff x="0" y="0"/>
+          <a:chExt cx="0" cy="0"/>
+        </a:xfrm>
+      </p:grpSpPr>
+      <p:sp>
+        <p:nvSpPr>
+          <p:cNvPr id="2" name="Título 1"/>
+          <p:cNvSpPr>
+            <a:spLocks noGrp="1"/>
+          </p:cNvSpPr>
+          <p:nvPr>
+            <p:ph type="title"/>
+          </p:nvPr>
+        </p:nvSpPr>
+        <p:spPr/>
+        <p:txBody>
+          <a:bodyPr/>
+          <a:lstStyle/>
+          <a:p>
+            <a:r>
+              <a:rPr lang="es-AR" sz="4000" dirty="0"/>
+              <a:t>DMA</a:t>
+            </a:r>
+            <a:endParaRPr lang="en-US" sz="4000" dirty="0"/>
+          </a:p>
+        </p:txBody>
+      </p:sp>
+      <p:sp>
+        <p:nvSpPr>
+          <p:cNvPr id="3" name="Marcador de contenido 2"/>
+          <p:cNvSpPr>
+            <a:spLocks noGrp="1"/>
+          </p:cNvSpPr>
+          <p:nvPr>
+            <p:ph idx="1"/>
+          </p:nvPr>
+        </p:nvSpPr>
+        <p:spPr/>
+        <p:txBody>
+          <a:bodyPr anchor="t">
+            <a:normAutofit fontScale="92500" lnSpcReduction="10000"/>
+          </a:bodyPr>
+          <a:lstStyle/>
+          <a:p>
+            <a:pPr marL="0" indent="0">
+              <a:buNone/>
+            </a:pPr>
+            <a:r>
+              <a:rPr lang="es-AR" sz="2800" dirty="0" err="1"/>
+              <a:t>DMA.h</a:t>
+            </a:r>
+            <a:endParaRPr lang="es-AR" sz="2800" dirty="0"/>
+          </a:p>
+          <a:p>
+            <a:pPr marL="0" indent="0">
+              <a:buNone/>
+            </a:pPr>
+            <a:endParaRPr lang="en-US" dirty="0"/>
+          </a:p>
+          <a:p>
+            <a:pPr marL="0" indent="0">
+              <a:buNone/>
+            </a:pPr>
+            <a:r>
+              <a:rPr lang="en-US" dirty="0"/>
+              <a:t>typedef struct{</a:t>
+            </a:r>
+          </a:p>
+          <a:p>
+            <a:pPr marL="400050" lvl="1" indent="0">
+              <a:buNone/>
+            </a:pPr>
+            <a:r>
+              <a:rPr lang="en-US" dirty="0"/>
+              <a:t>    </a:t>
+            </a:r>
+            <a:r>
+              <a:rPr lang="en-US" i="1" dirty="0"/>
+              <a:t>uint32_t </a:t>
+            </a:r>
+            <a:r>
+              <a:rPr lang="en-US" b="1" i="1" dirty="0" err="1"/>
+              <a:t>source_address</a:t>
+            </a:r>
+            <a:r>
+              <a:rPr lang="en-US" b="1" i="1" dirty="0"/>
+              <a:t>;		</a:t>
+            </a:r>
+            <a:r>
+              <a:rPr lang="en-US" sz="1200" i="1" dirty="0"/>
+              <a:t>//Source address</a:t>
+            </a:r>
+            <a:endParaRPr lang="en-US" i="1" dirty="0"/>
+          </a:p>
+          <a:p>
+            <a:pPr marL="400050" lvl="1" indent="0">
+              <a:buNone/>
+            </a:pPr>
+            <a:r>
+              <a:rPr lang="en-US" dirty="0"/>
+              <a:t>    </a:t>
+            </a:r>
+            <a:r>
+              <a:rPr lang="en-US" i="1" dirty="0"/>
+              <a:t>uint32_t</a:t>
+            </a:r>
+            <a:r>
+              <a:rPr lang="en-US" b="1" i="1" dirty="0"/>
+              <a:t> </a:t>
+            </a:r>
+            <a:r>
+              <a:rPr lang="en-US" b="1" i="1" dirty="0" err="1"/>
+              <a:t>dest_address</a:t>
+            </a:r>
+            <a:r>
+              <a:rPr lang="en-US" b="1" i="1" dirty="0"/>
+              <a:t>;                  	</a:t>
+            </a:r>
+            <a:r>
+              <a:rPr lang="en-US" sz="1200" i="1" dirty="0"/>
+              <a:t>//destination address</a:t>
+            </a:r>
+            <a:endParaRPr lang="en-US" i="1" dirty="0"/>
+          </a:p>
+          <a:p>
+            <a:pPr marL="400050" lvl="1" indent="0">
+              <a:buNone/>
+            </a:pPr>
+            <a:r>
+              <a:rPr lang="en-US" dirty="0"/>
+              <a:t>    </a:t>
+            </a:r>
+            <a:r>
+              <a:rPr lang="en-US" i="1" dirty="0"/>
+              <a:t>uint8_t </a:t>
+            </a:r>
+            <a:r>
+              <a:rPr lang="en-US" b="1" i="1" dirty="0" err="1"/>
+              <a:t>transf_size</a:t>
+            </a:r>
+            <a:r>
+              <a:rPr lang="en-US" b="1" i="1" dirty="0"/>
+              <a:t>;  			</a:t>
+            </a:r>
+            <a:r>
+              <a:rPr lang="en-US" sz="1200" i="1" dirty="0"/>
+              <a:t>//transfer size</a:t>
+            </a:r>
+            <a:endParaRPr lang="en-US" i="1" dirty="0"/>
+          </a:p>
+          <a:p>
+            <a:pPr marL="400050" lvl="1" indent="0">
+              <a:buNone/>
+            </a:pPr>
+            <a:r>
+              <a:rPr lang="en-US" dirty="0"/>
+              <a:t>    </a:t>
+            </a:r>
+            <a:r>
+              <a:rPr lang="en-US" i="1" dirty="0"/>
+              <a:t>int16_t </a:t>
+            </a:r>
+            <a:r>
+              <a:rPr lang="en-US" b="1" i="1" dirty="0"/>
+              <a:t>offset;</a:t>
+            </a:r>
+          </a:p>
+          <a:p>
+            <a:pPr marL="400050" lvl="1" indent="0">
+              <a:buNone/>
+            </a:pPr>
+            <a:r>
+              <a:rPr lang="en-US" dirty="0"/>
+              <a:t>    </a:t>
+            </a:r>
+            <a:r>
+              <a:rPr lang="en-US" i="1" dirty="0"/>
+              <a:t>uint32_t </a:t>
+            </a:r>
+            <a:r>
+              <a:rPr lang="en-US" b="1" i="1" dirty="0" err="1"/>
+              <a:t>bytes_per_request</a:t>
+            </a:r>
+            <a:r>
+              <a:rPr lang="en-US" b="1" i="1" dirty="0"/>
+              <a:t>;		</a:t>
+            </a:r>
+            <a:r>
+              <a:rPr lang="en-US" sz="1200" i="1" dirty="0"/>
+              <a:t>//bytes a </a:t>
+            </a:r>
+            <a:r>
+              <a:rPr lang="en-US" sz="1200" i="1" dirty="0" err="1"/>
+              <a:t>transferir</a:t>
+            </a:r>
+            <a:r>
+              <a:rPr lang="en-US" sz="1200" i="1" dirty="0"/>
+              <a:t> </a:t>
+            </a:r>
+            <a:r>
+              <a:rPr lang="en-US" sz="1200" i="1" dirty="0" err="1"/>
+              <a:t>en</a:t>
+            </a:r>
+            <a:r>
+              <a:rPr lang="en-US" sz="1200" i="1" dirty="0"/>
+              <a:t> </a:t>
+            </a:r>
+            <a:r>
+              <a:rPr lang="en-US" sz="1200" i="1" dirty="0" err="1"/>
+              <a:t>cada</a:t>
+            </a:r>
+            <a:r>
+              <a:rPr lang="en-US" sz="1200" i="1" dirty="0"/>
+              <a:t> 									minor loop</a:t>
+            </a:r>
+            <a:endParaRPr lang="en-US" i="1" dirty="0"/>
+          </a:p>
+          <a:p>
+            <a:pPr marL="400050" lvl="1" indent="0">
+              <a:buNone/>
+            </a:pPr>
+            <a:r>
+              <a:rPr lang="en-US" dirty="0"/>
+              <a:t>    </a:t>
+            </a:r>
+            <a:r>
+              <a:rPr lang="en-US" i="1" dirty="0"/>
+              <a:t>uint32_t </a:t>
+            </a:r>
+            <a:r>
+              <a:rPr lang="en-US" b="1" i="1" dirty="0" err="1"/>
+              <a:t>total_bytes</a:t>
+            </a:r>
+            <a:r>
+              <a:rPr lang="en-US" b="1" i="1" dirty="0"/>
+              <a:t>;              		</a:t>
+            </a:r>
+            <a:r>
+              <a:rPr lang="en-US" sz="1200" i="1" dirty="0"/>
+              <a:t>//</a:t>
+            </a:r>
+            <a:r>
+              <a:rPr lang="en-US" sz="1200" i="1" dirty="0" err="1"/>
+              <a:t>cantidad</a:t>
+            </a:r>
+            <a:r>
+              <a:rPr lang="en-US" sz="1200" i="1" dirty="0"/>
+              <a:t> total de bytes a 									</a:t>
+            </a:r>
+            <a:r>
+              <a:rPr lang="en-US" sz="1200" i="1" dirty="0" err="1"/>
+              <a:t>transferir</a:t>
+            </a:r>
+            <a:endParaRPr lang="en-US" i="1" dirty="0"/>
+          </a:p>
+          <a:p>
+            <a:pPr marL="400050" lvl="1" indent="0">
+              <a:buNone/>
+            </a:pPr>
+            <a:r>
+              <a:rPr lang="en-US" dirty="0"/>
+              <a:t>    </a:t>
+            </a:r>
+            <a:r>
+              <a:rPr lang="en-US" i="1" dirty="0" err="1"/>
+              <a:t>dma_mode_t</a:t>
+            </a:r>
+            <a:r>
+              <a:rPr lang="en-US" i="1" dirty="0"/>
+              <a:t> </a:t>
+            </a:r>
+            <a:r>
+              <a:rPr lang="en-US" b="1" i="1" dirty="0"/>
+              <a:t>mode;</a:t>
+            </a:r>
+            <a:endParaRPr lang="en-US" dirty="0"/>
+          </a:p>
+          <a:p>
+            <a:pPr marL="400050" lvl="1" indent="0">
+              <a:buNone/>
+            </a:pPr>
+            <a:r>
+              <a:rPr lang="fr-FR" dirty="0"/>
+              <a:t>    </a:t>
+            </a:r>
+            <a:r>
+              <a:rPr lang="fr-FR" i="1" dirty="0"/>
+              <a:t>uint8_t </a:t>
+            </a:r>
+            <a:r>
+              <a:rPr lang="fr-FR" b="1" i="1" dirty="0" err="1"/>
+              <a:t>channel</a:t>
+            </a:r>
+            <a:r>
+              <a:rPr lang="fr-FR" b="1" i="1" dirty="0"/>
+              <a:t>;				</a:t>
+            </a:r>
+            <a:r>
+              <a:rPr lang="fr-FR" sz="1200" i="1" dirty="0"/>
+              <a:t>//para el </a:t>
+            </a:r>
+            <a:r>
+              <a:rPr lang="fr-FR" sz="1200" i="1" dirty="0" err="1"/>
+              <a:t>dma_mux</a:t>
+            </a:r>
+            <a:endParaRPr lang="fr-FR" i="1" dirty="0"/>
+          </a:p>
+          <a:p>
+            <a:pPr marL="400050" lvl="1" indent="0">
+              <a:buNone/>
+            </a:pPr>
+            <a:r>
+              <a:rPr lang="fr-FR" dirty="0"/>
+              <a:t>    </a:t>
+            </a:r>
+            <a:r>
+              <a:rPr lang="fr-FR" i="1" dirty="0"/>
+              <a:t>uint16_t </a:t>
+            </a:r>
+            <a:r>
+              <a:rPr lang="fr-FR" b="1" i="1" dirty="0" err="1"/>
+              <a:t>request_source</a:t>
+            </a:r>
+            <a:r>
+              <a:rPr lang="fr-FR" b="1" i="1" dirty="0"/>
+              <a:t>;		</a:t>
+            </a:r>
+            <a:r>
+              <a:rPr lang="fr-FR" sz="1200" i="1" dirty="0"/>
+              <a:t>//</a:t>
+            </a:r>
+            <a:r>
+              <a:rPr lang="fr-FR" sz="1200" i="1" dirty="0" err="1"/>
+              <a:t>request</a:t>
+            </a:r>
+            <a:r>
+              <a:rPr lang="fr-FR" sz="1200" i="1" dirty="0"/>
+              <a:t> source for dma</a:t>
+            </a:r>
+            <a:endParaRPr lang="fr-FR" i="1" dirty="0"/>
+          </a:p>
+          <a:p>
+            <a:pPr marL="400050" lvl="1" indent="0">
+              <a:buNone/>
+            </a:pPr>
+            <a:r>
+              <a:rPr lang="en-US" dirty="0"/>
+              <a:t>    bool</a:t>
+            </a:r>
+            <a:r>
+              <a:rPr lang="en-US" b="1" dirty="0"/>
+              <a:t> </a:t>
+            </a:r>
+            <a:r>
+              <a:rPr lang="en-US" b="1" dirty="0" err="1"/>
+              <a:t>periodic_trigger</a:t>
+            </a:r>
+            <a:r>
+              <a:rPr lang="en-US" b="1" dirty="0"/>
+              <a:t>;</a:t>
+            </a:r>
+            <a:r>
+              <a:rPr lang="en-US" dirty="0"/>
+              <a:t>			</a:t>
+            </a:r>
+            <a:r>
+              <a:rPr lang="en-US" sz="1200" dirty="0"/>
+              <a:t>//enable periodic trigger</a:t>
+            </a:r>
+            <a:endParaRPr lang="en-US" dirty="0"/>
+          </a:p>
+          <a:p>
+            <a:pPr marL="0" indent="0">
+              <a:buNone/>
+            </a:pPr>
+            <a:r>
+              <a:rPr lang="en-US" dirty="0"/>
+              <a:t>}</a:t>
+            </a:r>
+            <a:r>
+              <a:rPr lang="en-US" b="1" i="1" dirty="0" err="1"/>
+              <a:t>dma_transfer_conf_t</a:t>
+            </a:r>
+            <a:r>
+              <a:rPr lang="en-US" b="1" i="1" dirty="0"/>
+              <a:t>;</a:t>
+            </a:r>
+            <a:endParaRPr lang="es-AR" sz="2800" dirty="0"/>
+          </a:p>
+        </p:txBody>
+      </p:sp>
+      <p:sp>
+        <p:nvSpPr>
+          <p:cNvPr id="4" name="Marcador de texto 3"/>
+          <p:cNvSpPr>
+            <a:spLocks noGrp="1"/>
+          </p:cNvSpPr>
+          <p:nvPr>
+            <p:ph type="body" sz="half" idx="2"/>
+          </p:nvPr>
+        </p:nvSpPr>
+        <p:spPr/>
+        <p:txBody>
+          <a:bodyPr>
+            <a:normAutofit/>
+          </a:bodyPr>
+          <a:lstStyle/>
+          <a:p>
+            <a:pPr marL="285750" indent="-285750">
+              <a:buFont typeface="Arial" panose="020B0604020202020204" pitchFamily="34" charset="0"/>
+              <a:buChar char="•"/>
+            </a:pPr>
+            <a:r>
               <a:rPr lang="es-AR" sz="1600" dirty="0"/>
               <a:t>Usado en la versión 2 para transferir </a:t>
             </a:r>
@@ -7543,15 +7708,15 @@
             </a:r>
             <a:r>
               <a:rPr lang="es-AR" sz="1600" dirty="0"/>
-              <a:t> cicles al PWM </a:t>
+              <a:t> </a:t>
             </a:r>
             <a:r>
               <a:rPr lang="es-AR" sz="1600" dirty="0" err="1"/>
-              <a:t>triggereado</a:t>
+              <a:t>cycles</a:t>
             </a:r>
             <a:r>
               <a:rPr lang="es-AR" sz="1600" dirty="0"/>
-              <a:t> con PIT. </a:t>
+              <a:t> al PWM disparado con PIT. </a:t>
             </a:r>
             <a:endParaRPr lang="en-US" sz="1600" dirty="0"/>
           </a:p>
@@ -7570,7 +7735,7 @@
 </p:sld>
 </file>
 
-<file path=ppt/slides/slide8.xml><?xml version="1.0" encoding="utf-8"?>
+<file path=ppt/slides/slide9.xml><?xml version="1.0" encoding="utf-8"?>
 <p:sld xmlns:a="http://schemas.openxmlformats.org/drawingml/2006/main" xmlns:r="http://schemas.openxmlformats.org/officeDocument/2006/relationships" xmlns:p="http://schemas.openxmlformats.org/presentationml/2006/main">
   <p:cSld>
     <p:spTree>
